--- a/Gewerbespeicher_Planner_Praesentation.pptx
+++ b/Gewerbespeicher_Planner_Praesentation.pptx
@@ -3107,7 +3107,7 @@
         <p:spPr>
           <a:xfrm>
             <a:off x="0" y="0"/>
-            <a:ext cx="12191695" cy="1645920"/>
+            <a:ext cx="12191695" cy="1463040"/>
           </a:xfrm>
           <a:prstGeom prst="rect">
             <a:avLst/>
@@ -3149,8 +3149,8 @@
         </p:nvSpPr>
         <p:spPr>
           <a:xfrm>
-            <a:off x="731520" y="274320"/>
-            <a:ext cx="9144000" cy="548640"/>
+            <a:off x="731520" y="228600"/>
+            <a:ext cx="8229600" cy="457200"/>
           </a:xfrm>
           <a:prstGeom prst="rect">
             <a:avLst/>
@@ -3164,7 +3164,7 @@
           <a:lstStyle/>
           <a:p>
             <a:pPr algn="l">
-              <a:defRPr sz="3200" b="1">
+              <a:defRPr sz="3000" b="1">
                 <a:solidFill>
                   <a:srgbClr val="FFFFFF"/>
                 </a:solidFill>
@@ -3185,8 +3185,8 @@
         </p:nvSpPr>
         <p:spPr>
           <a:xfrm>
-            <a:off x="731520" y="822960"/>
-            <a:ext cx="9144000" cy="457200"/>
+            <a:off x="731520" y="731520"/>
+            <a:ext cx="8229600" cy="365760"/>
           </a:xfrm>
           <a:prstGeom prst="rect">
             <a:avLst/>
@@ -3200,7 +3200,7 @@
           <a:lstStyle/>
           <a:p>
             <a:pPr algn="l">
-              <a:defRPr sz="1600" b="0">
+              <a:defRPr sz="1400" b="0">
                 <a:solidFill>
                   <a:srgbClr val="A0C0DF"/>
                 </a:solidFill>
@@ -3208,7 +3208,7 @@
               </a:defRPr>
             </a:pPr>
             <a:r>
-              <a:t>KI-gestutzte Planungs- &amp; Angebotssoftware fur gewerbliche PV-Speichersysteme | EWS GmbH</a:t>
+              <a:t>KI-gestuetzte Planungs- &amp; Angebotssoftware fuer gewerbliche PV-Speichersysteme</a:t>
             </a:r>
           </a:p>
         </p:txBody>
@@ -3221,8 +3221,8 @@
         </p:nvSpPr>
         <p:spPr>
           <a:xfrm>
-            <a:off x="9875520" y="320040"/>
-            <a:ext cx="1920240" cy="457200"/>
+            <a:off x="9601200" y="228600"/>
+            <a:ext cx="2194560" cy="457200"/>
           </a:xfrm>
           <a:prstGeom prst="rect">
             <a:avLst/>
@@ -3264,8 +3264,8 @@
         </p:nvSpPr>
         <p:spPr>
           <a:xfrm>
-            <a:off x="9875520" y="347472"/>
-            <a:ext cx="1920240" cy="457200"/>
+            <a:off x="9601200" y="246888"/>
+            <a:ext cx="2194560" cy="457200"/>
           </a:xfrm>
           <a:prstGeom prst="rect">
             <a:avLst/>
@@ -3279,7 +3279,7 @@
           <a:lstStyle/>
           <a:p>
             <a:pPr algn="ctr">
-              <a:defRPr sz="1400" b="1">
+              <a:defRPr sz="1300" b="1">
                 <a:solidFill>
                   <a:srgbClr val="FFFFFF"/>
                 </a:solidFill>
@@ -3287,7 +3287,7 @@
               </a:defRPr>
             </a:pPr>
             <a:r>
-              <a:t>✨ Built with AI</a:t>
+              <a:t>Built with AI (Claude)</a:t>
             </a:r>
           </a:p>
         </p:txBody>
@@ -3300,8 +3300,8 @@
         </p:nvSpPr>
         <p:spPr>
           <a:xfrm>
-            <a:off x="9875520" y="868680"/>
-            <a:ext cx="1920240" cy="365760"/>
+            <a:off x="9601200" y="777240"/>
+            <a:ext cx="2194560" cy="320040"/>
           </a:xfrm>
           <a:prstGeom prst="rect">
             <a:avLst/>
@@ -3343,8 +3343,8 @@
         </p:nvSpPr>
         <p:spPr>
           <a:xfrm>
-            <a:off x="9875520" y="868680"/>
-            <a:ext cx="1920240" cy="365760"/>
+            <a:off x="9601200" y="777240"/>
+            <a:ext cx="2194560" cy="320040"/>
           </a:xfrm>
           <a:prstGeom prst="rect">
             <a:avLst/>
@@ -3358,7 +3358,7 @@
           <a:lstStyle/>
           <a:p>
             <a:pPr algn="ctr">
-              <a:defRPr sz="1000" b="0">
+              <a:defRPr sz="900" b="0">
                 <a:solidFill>
                   <a:srgbClr val="FFFFFF"/>
                 </a:solidFill>
@@ -3366,315 +3366,21 @@
               </a:defRPr>
             </a:pPr>
             <a:r>
-              <a:t>Claude AI (Anthropic)</a:t>
-            </a:r>
-          </a:p>
-        </p:txBody>
-      </p:sp>
-      <p:sp>
-        <p:nvSpPr>
-          <p:cNvPr id="9" name="TextBox 8"/>
-          <p:cNvSpPr txBox="1"/>
-          <p:nvPr/>
-        </p:nvSpPr>
-        <p:spPr>
-          <a:xfrm>
-            <a:off x="548640" y="1920240"/>
-            <a:ext cx="5303520" cy="365760"/>
-          </a:xfrm>
-          <a:prstGeom prst="rect">
-            <a:avLst/>
-          </a:prstGeom>
-          <a:noFill/>
-        </p:spPr>
-        <p:txBody>
-          <a:bodyPr wrap="square">
-            <a:spAutoFit/>
-          </a:bodyPr>
-          <a:lstStyle/>
-          <a:p>
-            <a:pPr algn="l">
-              <a:defRPr sz="1800" b="1">
-                <a:solidFill>
-                  <a:srgbClr val="1B2A4A"/>
-                </a:solidFill>
-                <a:latin typeface="Calibri"/>
-              </a:defRPr>
-            </a:pPr>
-            <a:r>
-              <a:t>Was die Anwendung leistet</a:t>
-            </a:r>
-          </a:p>
-        </p:txBody>
-      </p:sp>
-      <p:sp>
-        <p:nvSpPr>
-          <p:cNvPr id="10" name="TextBox 9"/>
-          <p:cNvSpPr txBox="1"/>
-          <p:nvPr/>
-        </p:nvSpPr>
-        <p:spPr>
-          <a:xfrm>
-            <a:off x="548640" y="2286000"/>
-            <a:ext cx="5303520" cy="2011680"/>
-          </a:xfrm>
-          <a:prstGeom prst="rect">
-            <a:avLst/>
-          </a:prstGeom>
-          <a:noFill/>
-        </p:spPr>
-        <p:txBody>
-          <a:bodyPr wrap="square">
-            <a:spAutoFit/>
-          </a:bodyPr>
-          <a:lstStyle/>
-          <a:p>
-            <a:pPr>
-              <a:spcAft>
-                <a:spcPts val="600"/>
-              </a:spcAft>
-              <a:defRPr sz="1400" b="1">
-                <a:solidFill>
-                  <a:srgbClr val="2E86AB"/>
-                </a:solidFill>
-                <a:latin typeface="Calibri"/>
-              </a:defRPr>
-            </a:pPr>
-            <a:r>
-              <a:t>Kernfunktionen</a:t>
-            </a:r>
-          </a:p>
-          <a:p>
-            <a:pPr>
-              <a:spcAft>
-                <a:spcPts val="300"/>
-              </a:spcAft>
-              <a:defRPr sz="1200">
-                <a:solidFill>
-                  <a:srgbClr val="212529"/>
-                </a:solidFill>
-                <a:latin typeface="Calibri"/>
-              </a:defRPr>
-            </a:pPr>
-            <a:r>
-              <a:t>▸ Echtzeit-PV+Batterie-Simulation (pvlib, stundliche Auflosung)</a:t>
-            </a:r>
-          </a:p>
-          <a:p>
-            <a:pPr>
-              <a:spcAft>
-                <a:spcPts val="300"/>
-              </a:spcAft>
-              <a:defRPr sz="1200">
-                <a:solidFill>
-                  <a:srgbClr val="212529"/>
-                </a:solidFill>
-                <a:latin typeface="Calibri"/>
-              </a:defRPr>
-            </a:pPr>
-            <a:r>
-              <a:t>▸ KI-optimierte Systemdimensionierung &amp; Angebotstexte (Claude Opus)</a:t>
-            </a:r>
-          </a:p>
-          <a:p>
-            <a:pPr>
-              <a:spcAft>
-                <a:spcPts val="300"/>
-              </a:spcAft>
-              <a:defRPr sz="1200">
-                <a:solidFill>
-                  <a:srgbClr val="212529"/>
-                </a:solidFill>
-                <a:latin typeface="Calibri"/>
-              </a:defRPr>
-            </a:pPr>
-            <a:r>
-              <a:t>▸ Professionelle PDF-Angebotserstellung mit Branding</a:t>
-            </a:r>
-          </a:p>
-          <a:p>
-            <a:pPr>
-              <a:spcAft>
-                <a:spcPts val="300"/>
-              </a:spcAft>
-              <a:defRPr sz="1200">
-                <a:solidFill>
-                  <a:srgbClr val="212529"/>
-                </a:solidFill>
-                <a:latin typeface="Calibri"/>
-              </a:defRPr>
-            </a:pPr>
-            <a:r>
-              <a:t>▸ Finanzanalyse: ROI, Amortisation, Kapitalwert, interner Zinsfuss</a:t>
-            </a:r>
-          </a:p>
-          <a:p>
-            <a:pPr>
-              <a:spcAft>
-                <a:spcPts val="300"/>
-              </a:spcAft>
-              <a:defRPr sz="1200">
-                <a:solidFill>
-                  <a:srgbClr val="212529"/>
-                </a:solidFill>
-                <a:latin typeface="Calibri"/>
-              </a:defRPr>
-            </a:pPr>
-            <a:r>
-              <a:t>▸ Multi-Tenant White-Label fur Installateur-Netzwerk</a:t>
-            </a:r>
-          </a:p>
-        </p:txBody>
-      </p:sp>
-      <p:sp>
-        <p:nvSpPr>
-          <p:cNvPr id="11" name="TextBox 10"/>
-          <p:cNvSpPr txBox="1"/>
-          <p:nvPr/>
-        </p:nvSpPr>
-        <p:spPr>
-          <a:xfrm>
-            <a:off x="548640" y="4206240"/>
-            <a:ext cx="5303520" cy="1645920"/>
-          </a:xfrm>
-          <a:prstGeom prst="rect">
-            <a:avLst/>
-          </a:prstGeom>
-          <a:noFill/>
-        </p:spPr>
-        <p:txBody>
-          <a:bodyPr wrap="square">
-            <a:spAutoFit/>
-          </a:bodyPr>
-          <a:lstStyle/>
-          <a:p>
-            <a:pPr>
-              <a:spcAft>
-                <a:spcPts val="600"/>
-              </a:spcAft>
-              <a:defRPr sz="1400" b="1">
-                <a:solidFill>
-                  <a:srgbClr val="2E86AB"/>
-                </a:solidFill>
-                <a:latin typeface="Calibri"/>
-              </a:defRPr>
-            </a:pPr>
-            <a:r>
-              <a:t>Integrationen</a:t>
-            </a:r>
-          </a:p>
-          <a:p>
-            <a:pPr>
-              <a:spcAft>
-                <a:spcPts val="300"/>
-              </a:spcAft>
-              <a:defRPr sz="1200">
-                <a:solidFill>
-                  <a:srgbClr val="212529"/>
-                </a:solidFill>
-                <a:latin typeface="Calibri"/>
-              </a:defRPr>
-            </a:pPr>
-            <a:r>
-              <a:t>▸ DocuSign (E-Signatur) | HubSpot (CRM) | Google Maps</a:t>
-            </a:r>
-          </a:p>
-          <a:p>
-            <a:pPr>
-              <a:spcAft>
-                <a:spcPts val="300"/>
-              </a:spcAft>
-              <a:defRPr sz="1200">
-                <a:solidFill>
-                  <a:srgbClr val="212529"/>
-                </a:solidFill>
-                <a:latin typeface="Calibri"/>
-              </a:defRPr>
-            </a:pPr>
-            <a:r>
-              <a:t>▸ PVGIS &amp; Open-Meteo (Wetter-/Ertragsdaten)</a:t>
-            </a:r>
-          </a:p>
-          <a:p>
-            <a:pPr>
-              <a:spcAft>
-                <a:spcPts val="300"/>
-              </a:spcAft>
-              <a:defRPr sz="1200">
-                <a:solidFill>
-                  <a:srgbClr val="212529"/>
-                </a:solidFill>
-                <a:latin typeface="Calibri"/>
-              </a:defRPr>
-            </a:pPr>
-            <a:r>
-              <a:t>▸ BNetzA-konforme EEG-Einspeisetarife &amp; MaStR-Compliance</a:t>
-            </a:r>
-          </a:p>
-          <a:p>
-            <a:pPr>
-              <a:spcAft>
-                <a:spcPts val="300"/>
-              </a:spcAft>
-              <a:defRPr sz="1200">
-                <a:solidFill>
-                  <a:srgbClr val="212529"/>
-                </a:solidFill>
-                <a:latin typeface="Calibri"/>
-              </a:defRPr>
-            </a:pPr>
-            <a:r>
-              <a:t>▸ KfW-Forderungsprogramme &amp; Subventionsberechnung</a:t>
-            </a:r>
-          </a:p>
-        </p:txBody>
-      </p:sp>
-      <p:sp>
-        <p:nvSpPr>
-          <p:cNvPr id="12" name="TextBox 11"/>
-          <p:cNvSpPr txBox="1"/>
-          <p:nvPr/>
-        </p:nvSpPr>
-        <p:spPr>
-          <a:xfrm>
-            <a:off x="6217920" y="1920240"/>
-            <a:ext cx="5303520" cy="365760"/>
-          </a:xfrm>
-          <a:prstGeom prst="rect">
-            <a:avLst/>
-          </a:prstGeom>
-          <a:noFill/>
-        </p:spPr>
-        <p:txBody>
-          <a:bodyPr wrap="square">
-            <a:spAutoFit/>
-          </a:bodyPr>
-          <a:lstStyle/>
-          <a:p>
-            <a:pPr algn="l">
-              <a:defRPr sz="1800" b="1">
-                <a:solidFill>
-                  <a:srgbClr val="1B2A4A"/>
-                </a:solidFill>
-                <a:latin typeface="Calibri"/>
-              </a:defRPr>
-            </a:pPr>
-            <a:r>
-              <a:t>Technologie-Stack</a:t>
-            </a:r>
-          </a:p>
-        </p:txBody>
-      </p:sp>
-      <p:sp>
-        <p:nvSpPr>
-          <p:cNvPr id="13" name="Rectangle 12"/>
+              <a:t>Anthropic Claude Code &amp; Opus</a:t>
+            </a:r>
+          </a:p>
+        </p:txBody>
+      </p:sp>
+      <p:sp>
+        <p:nvSpPr>
+          <p:cNvPr id="9" name="Rectangle 8"/>
           <p:cNvSpPr/>
           <p:nvPr/>
         </p:nvSpPr>
         <p:spPr>
           <a:xfrm>
-            <a:off x="6217920" y="2377440"/>
-            <a:ext cx="5303520" cy="594360"/>
+            <a:off x="548640" y="1691640"/>
+            <a:ext cx="1691640" cy="868680"/>
           </a:xfrm>
           <a:prstGeom prst="rect">
             <a:avLst/>
@@ -3710,14 +3416,57 @@
       </p:sp>
       <p:sp>
         <p:nvSpPr>
-          <p:cNvPr id="14" name="TextBox 13"/>
+          <p:cNvPr id="10" name="Rectangle 9"/>
+          <p:cNvSpPr/>
+          <p:nvPr/>
+        </p:nvSpPr>
+        <p:spPr>
+          <a:xfrm>
+            <a:off x="548640" y="1691640"/>
+            <a:ext cx="1691640" cy="50800"/>
+          </a:xfrm>
+          <a:prstGeom prst="rect">
+            <a:avLst/>
+          </a:prstGeom>
+          <a:solidFill>
+            <a:srgbClr val="2E86AB"/>
+          </a:solidFill>
+          <a:ln>
+            <a:noFill/>
+          </a:ln>
+        </p:spPr>
+        <p:style>
+          <a:lnRef idx="1">
+            <a:schemeClr val="accent1"/>
+          </a:lnRef>
+          <a:fillRef idx="3">
+            <a:schemeClr val="accent1"/>
+          </a:fillRef>
+          <a:effectRef idx="2">
+            <a:schemeClr val="accent1"/>
+          </a:effectRef>
+          <a:fontRef idx="minor">
+            <a:schemeClr val="lt1"/>
+          </a:fontRef>
+        </p:style>
+        <p:txBody>
+          <a:bodyPr rtlCol="0" anchor="ctr"/>
+          <a:lstStyle/>
+          <a:p>
+            <a:pPr algn="ctr"/>
+          </a:p>
+        </p:txBody>
+      </p:sp>
+      <p:sp>
+        <p:nvSpPr>
+          <p:cNvPr id="11" name="TextBox 10"/>
           <p:cNvSpPr txBox="1"/>
           <p:nvPr/>
         </p:nvSpPr>
         <p:spPr>
           <a:xfrm>
-            <a:off x="6355080" y="2423160"/>
-            <a:ext cx="1463040" cy="274320"/>
+            <a:off x="685800" y="1828800"/>
+            <a:ext cx="1417320" cy="457200"/>
           </a:xfrm>
           <a:prstGeom prst="rect">
             <a:avLst/>
@@ -3730,8 +3479,8 @@
           </a:bodyPr>
           <a:lstStyle/>
           <a:p>
-            <a:pPr algn="l">
-              <a:defRPr sz="1100" b="1">
+            <a:pPr algn="ctr">
+              <a:defRPr sz="2400" b="1">
                 <a:solidFill>
                   <a:srgbClr val="2E86AB"/>
                 </a:solidFill>
@@ -3739,21 +3488,21 @@
               </a:defRPr>
             </a:pPr>
             <a:r>
-              <a:t>Frontend</a:t>
-            </a:r>
-          </a:p>
-        </p:txBody>
-      </p:sp>
-      <p:sp>
-        <p:nvSpPr>
-          <p:cNvPr id="15" name="TextBox 14"/>
+              <a:t>31.569</a:t>
+            </a:r>
+          </a:p>
+        </p:txBody>
+      </p:sp>
+      <p:sp>
+        <p:nvSpPr>
+          <p:cNvPr id="12" name="TextBox 11"/>
           <p:cNvSpPr txBox="1"/>
           <p:nvPr/>
         </p:nvSpPr>
         <p:spPr>
           <a:xfrm>
-            <a:off x="7863840" y="2423160"/>
-            <a:ext cx="3474720" cy="502920"/>
+            <a:off x="640080" y="2240280"/>
+            <a:ext cx="1508760" cy="457200"/>
           </a:xfrm>
           <a:prstGeom prst="rect">
             <a:avLst/>
@@ -3766,30 +3515,30 @@
           </a:bodyPr>
           <a:lstStyle/>
           <a:p>
-            <a:pPr algn="l">
+            <a:pPr algn="ctr">
               <a:defRPr sz="1000" b="0">
                 <a:solidFill>
-                  <a:srgbClr val="212529"/>
-                </a:solidFill>
-                <a:latin typeface="Calibri"/>
-              </a:defRPr>
-            </a:pPr>
-            <a:r>
-              <a:t>Next.js 15, React 19, TypeScript, Tailwind CSS, Recharts</a:t>
-            </a:r>
-          </a:p>
-        </p:txBody>
-      </p:sp>
-      <p:sp>
-        <p:nvSpPr>
-          <p:cNvPr id="16" name="Rectangle 15"/>
+                  <a:srgbClr val="6C757D"/>
+                </a:solidFill>
+                <a:latin typeface="Calibri"/>
+              </a:defRPr>
+            </a:pPr>
+            <a:r>
+              <a:t>Zeilen Code</a:t>
+            </a:r>
+          </a:p>
+        </p:txBody>
+      </p:sp>
+      <p:sp>
+        <p:nvSpPr>
+          <p:cNvPr id="13" name="Rectangle 12"/>
           <p:cNvSpPr/>
           <p:nvPr/>
         </p:nvSpPr>
         <p:spPr>
           <a:xfrm>
-            <a:off x="6217920" y="3035808"/>
-            <a:ext cx="5303520" cy="594360"/>
+            <a:off x="2423160" y="1691640"/>
+            <a:ext cx="1691640" cy="868680"/>
           </a:xfrm>
           <a:prstGeom prst="rect">
             <a:avLst/>
@@ -3825,14 +3574,57 @@
       </p:sp>
       <p:sp>
         <p:nvSpPr>
-          <p:cNvPr id="17" name="TextBox 16"/>
+          <p:cNvPr id="14" name="Rectangle 13"/>
+          <p:cNvSpPr/>
+          <p:nvPr/>
+        </p:nvSpPr>
+        <p:spPr>
+          <a:xfrm>
+            <a:off x="2423160" y="1691640"/>
+            <a:ext cx="1691640" cy="50800"/>
+          </a:xfrm>
+          <a:prstGeom prst="rect">
+            <a:avLst/>
+          </a:prstGeom>
+          <a:solidFill>
+            <a:srgbClr val="2E86AB"/>
+          </a:solidFill>
+          <a:ln>
+            <a:noFill/>
+          </a:ln>
+        </p:spPr>
+        <p:style>
+          <a:lnRef idx="1">
+            <a:schemeClr val="accent1"/>
+          </a:lnRef>
+          <a:fillRef idx="3">
+            <a:schemeClr val="accent1"/>
+          </a:fillRef>
+          <a:effectRef idx="2">
+            <a:schemeClr val="accent1"/>
+          </a:effectRef>
+          <a:fontRef idx="minor">
+            <a:schemeClr val="lt1"/>
+          </a:fontRef>
+        </p:style>
+        <p:txBody>
+          <a:bodyPr rtlCol="0" anchor="ctr"/>
+          <a:lstStyle/>
+          <a:p>
+            <a:pPr algn="ctr"/>
+          </a:p>
+        </p:txBody>
+      </p:sp>
+      <p:sp>
+        <p:nvSpPr>
+          <p:cNvPr id="15" name="TextBox 14"/>
           <p:cNvSpPr txBox="1"/>
           <p:nvPr/>
         </p:nvSpPr>
         <p:spPr>
           <a:xfrm>
-            <a:off x="6355080" y="3081528"/>
-            <a:ext cx="1463040" cy="274320"/>
+            <a:off x="2560320" y="1828800"/>
+            <a:ext cx="1417320" cy="457200"/>
           </a:xfrm>
           <a:prstGeom prst="rect">
             <a:avLst/>
@@ -3845,8 +3637,8 @@
           </a:bodyPr>
           <a:lstStyle/>
           <a:p>
-            <a:pPr algn="l">
-              <a:defRPr sz="1100" b="1">
+            <a:pPr algn="ctr">
+              <a:defRPr sz="2400" b="1">
                 <a:solidFill>
                   <a:srgbClr val="2E86AB"/>
                 </a:solidFill>
@@ -3854,21 +3646,21 @@
               </a:defRPr>
             </a:pPr>
             <a:r>
-              <a:t>Backend</a:t>
-            </a:r>
-          </a:p>
-        </p:txBody>
-      </p:sp>
-      <p:sp>
-        <p:nvSpPr>
-          <p:cNvPr id="18" name="TextBox 17"/>
+              <a:t>94</a:t>
+            </a:r>
+          </a:p>
+        </p:txBody>
+      </p:sp>
+      <p:sp>
+        <p:nvSpPr>
+          <p:cNvPr id="16" name="TextBox 15"/>
           <p:cNvSpPr txBox="1"/>
           <p:nvPr/>
         </p:nvSpPr>
         <p:spPr>
           <a:xfrm>
-            <a:off x="7863840" y="3081528"/>
-            <a:ext cx="3474720" cy="502920"/>
+            <a:off x="2514600" y="2240280"/>
+            <a:ext cx="1508760" cy="457200"/>
           </a:xfrm>
           <a:prstGeom prst="rect">
             <a:avLst/>
@@ -3881,30 +3673,30 @@
           </a:bodyPr>
           <a:lstStyle/>
           <a:p>
-            <a:pPr algn="l">
+            <a:pPr algn="ctr">
               <a:defRPr sz="1000" b="0">
                 <a:solidFill>
-                  <a:srgbClr val="212529"/>
-                </a:solidFill>
-                <a:latin typeface="Calibri"/>
-              </a:defRPr>
-            </a:pPr>
-            <a:r>
-              <a:t>FastAPI, SQLAlchemy, Pydantic, pvlib-python, asyncpg</a:t>
-            </a:r>
-          </a:p>
-        </p:txBody>
-      </p:sp>
-      <p:sp>
-        <p:nvSpPr>
-          <p:cNvPr id="19" name="Rectangle 18"/>
+                  <a:srgbClr val="6C757D"/>
+                </a:solidFill>
+                <a:latin typeface="Calibri"/>
+              </a:defRPr>
+            </a:pPr>
+            <a:r>
+              <a:t>Source-Dateien</a:t>
+            </a:r>
+          </a:p>
+        </p:txBody>
+      </p:sp>
+      <p:sp>
+        <p:nvSpPr>
+          <p:cNvPr id="17" name="Rectangle 16"/>
           <p:cNvSpPr/>
           <p:nvPr/>
         </p:nvSpPr>
         <p:spPr>
           <a:xfrm>
-            <a:off x="6217920" y="3694176"/>
-            <a:ext cx="5303520" cy="594360"/>
+            <a:off x="4297680" y="1691640"/>
+            <a:ext cx="1691640" cy="868680"/>
           </a:xfrm>
           <a:prstGeom prst="rect">
             <a:avLst/>
@@ -3940,14 +3732,57 @@
       </p:sp>
       <p:sp>
         <p:nvSpPr>
-          <p:cNvPr id="20" name="TextBox 19"/>
+          <p:cNvPr id="18" name="Rectangle 17"/>
+          <p:cNvSpPr/>
+          <p:nvPr/>
+        </p:nvSpPr>
+        <p:spPr>
+          <a:xfrm>
+            <a:off x="4297680" y="1691640"/>
+            <a:ext cx="1691640" cy="50800"/>
+          </a:xfrm>
+          <a:prstGeom prst="rect">
+            <a:avLst/>
+          </a:prstGeom>
+          <a:solidFill>
+            <a:srgbClr val="28A745"/>
+          </a:solidFill>
+          <a:ln>
+            <a:noFill/>
+          </a:ln>
+        </p:spPr>
+        <p:style>
+          <a:lnRef idx="1">
+            <a:schemeClr val="accent1"/>
+          </a:lnRef>
+          <a:fillRef idx="3">
+            <a:schemeClr val="accent1"/>
+          </a:fillRef>
+          <a:effectRef idx="2">
+            <a:schemeClr val="accent1"/>
+          </a:effectRef>
+          <a:fontRef idx="minor">
+            <a:schemeClr val="lt1"/>
+          </a:fontRef>
+        </p:style>
+        <p:txBody>
+          <a:bodyPr rtlCol="0" anchor="ctr"/>
+          <a:lstStyle/>
+          <a:p>
+            <a:pPr algn="ctr"/>
+          </a:p>
+        </p:txBody>
+      </p:sp>
+      <p:sp>
+        <p:nvSpPr>
+          <p:cNvPr id="19" name="TextBox 18"/>
           <p:cNvSpPr txBox="1"/>
           <p:nvPr/>
         </p:nvSpPr>
         <p:spPr>
           <a:xfrm>
-            <a:off x="6355080" y="3739896"/>
-            <a:ext cx="1463040" cy="274320"/>
+            <a:off x="4434840" y="1828800"/>
+            <a:ext cx="1417320" cy="457200"/>
           </a:xfrm>
           <a:prstGeom prst="rect">
             <a:avLst/>
@@ -3960,30 +3795,30 @@
           </a:bodyPr>
           <a:lstStyle/>
           <a:p>
-            <a:pPr algn="l">
-              <a:defRPr sz="1100" b="1">
-                <a:solidFill>
-                  <a:srgbClr val="2E86AB"/>
-                </a:solidFill>
-                <a:latin typeface="Calibri"/>
-              </a:defRPr>
-            </a:pPr>
-            <a:r>
-              <a:t>KI-Integration</a:t>
-            </a:r>
-          </a:p>
-        </p:txBody>
-      </p:sp>
-      <p:sp>
-        <p:nvSpPr>
-          <p:cNvPr id="21" name="TextBox 20"/>
+            <a:pPr algn="ctr">
+              <a:defRPr sz="2400" b="1">
+                <a:solidFill>
+                  <a:srgbClr val="28A745"/>
+                </a:solidFill>
+                <a:latin typeface="Calibri"/>
+              </a:defRPr>
+            </a:pPr>
+            <a:r>
+              <a:t>101</a:t>
+            </a:r>
+          </a:p>
+        </p:txBody>
+      </p:sp>
+      <p:sp>
+        <p:nvSpPr>
+          <p:cNvPr id="20" name="TextBox 19"/>
           <p:cNvSpPr txBox="1"/>
           <p:nvPr/>
         </p:nvSpPr>
         <p:spPr>
           <a:xfrm>
-            <a:off x="7863840" y="3739896"/>
-            <a:ext cx="3474720" cy="502920"/>
+            <a:off x="4389120" y="2240280"/>
+            <a:ext cx="1508760" cy="457200"/>
           </a:xfrm>
           <a:prstGeom prst="rect">
             <a:avLst/>
@@ -3996,30 +3831,30 @@
           </a:bodyPr>
           <a:lstStyle/>
           <a:p>
-            <a:pPr algn="l">
+            <a:pPr algn="ctr">
               <a:defRPr sz="1000" b="0">
                 <a:solidFill>
-                  <a:srgbClr val="212529"/>
-                </a:solidFill>
-                <a:latin typeface="Calibri"/>
-              </a:defRPr>
-            </a:pPr>
-            <a:r>
-              <a:t>Anthropic Claude Opus 4.5 - Intelligente Angebotsoptimierung</a:t>
-            </a:r>
-          </a:p>
-        </p:txBody>
-      </p:sp>
-      <p:sp>
-        <p:nvSpPr>
-          <p:cNvPr id="22" name="Rectangle 21"/>
+                  <a:srgbClr val="6C757D"/>
+                </a:solidFill>
+                <a:latin typeface="Calibri"/>
+              </a:defRPr>
+            </a:pPr>
+            <a:r>
+              <a:t>API-Endpunkte</a:t>
+            </a:r>
+          </a:p>
+        </p:txBody>
+      </p:sp>
+      <p:sp>
+        <p:nvSpPr>
+          <p:cNvPr id="21" name="Rectangle 20"/>
           <p:cNvSpPr/>
           <p:nvPr/>
         </p:nvSpPr>
         <p:spPr>
           <a:xfrm>
-            <a:off x="6217920" y="4352544"/>
-            <a:ext cx="5303520" cy="594360"/>
+            <a:off x="6172200" y="1691640"/>
+            <a:ext cx="1691640" cy="868680"/>
           </a:xfrm>
           <a:prstGeom prst="rect">
             <a:avLst/>
@@ -4055,14 +3890,57 @@
       </p:sp>
       <p:sp>
         <p:nvSpPr>
+          <p:cNvPr id="22" name="Rectangle 21"/>
+          <p:cNvSpPr/>
+          <p:nvPr/>
+        </p:nvSpPr>
+        <p:spPr>
+          <a:xfrm>
+            <a:off x="6172200" y="1691640"/>
+            <a:ext cx="1691640" cy="50800"/>
+          </a:xfrm>
+          <a:prstGeom prst="rect">
+            <a:avLst/>
+          </a:prstGeom>
+          <a:solidFill>
+            <a:srgbClr val="28A745"/>
+          </a:solidFill>
+          <a:ln>
+            <a:noFill/>
+          </a:ln>
+        </p:spPr>
+        <p:style>
+          <a:lnRef idx="1">
+            <a:schemeClr val="accent1"/>
+          </a:lnRef>
+          <a:fillRef idx="3">
+            <a:schemeClr val="accent1"/>
+          </a:fillRef>
+          <a:effectRef idx="2">
+            <a:schemeClr val="accent1"/>
+          </a:effectRef>
+          <a:fontRef idx="minor">
+            <a:schemeClr val="lt1"/>
+          </a:fontRef>
+        </p:style>
+        <p:txBody>
+          <a:bodyPr rtlCol="0" anchor="ctr"/>
+          <a:lstStyle/>
+          <a:p>
+            <a:pPr algn="ctr"/>
+          </a:p>
+        </p:txBody>
+      </p:sp>
+      <p:sp>
+        <p:nvSpPr>
           <p:cNvPr id="23" name="TextBox 22"/>
           <p:cNvSpPr txBox="1"/>
           <p:nvPr/>
         </p:nvSpPr>
         <p:spPr>
           <a:xfrm>
-            <a:off x="6355080" y="4398264"/>
-            <a:ext cx="1463040" cy="274320"/>
+            <a:off x="6309360" y="1828800"/>
+            <a:ext cx="1417320" cy="457200"/>
           </a:xfrm>
           <a:prstGeom prst="rect">
             <a:avLst/>
@@ -4075,16 +3953,16 @@
           </a:bodyPr>
           <a:lstStyle/>
           <a:p>
-            <a:pPr algn="l">
-              <a:defRPr sz="1100" b="1">
-                <a:solidFill>
-                  <a:srgbClr val="2E86AB"/>
-                </a:solidFill>
-                <a:latin typeface="Calibri"/>
-              </a:defRPr>
-            </a:pPr>
-            <a:r>
-              <a:t>Infrastruktur</a:t>
+            <a:pPr algn="ctr">
+              <a:defRPr sz="2400" b="1">
+                <a:solidFill>
+                  <a:srgbClr val="28A745"/>
+                </a:solidFill>
+                <a:latin typeface="Calibri"/>
+              </a:defRPr>
+            </a:pPr>
+            <a:r>
+              <a:t>11</a:t>
             </a:r>
           </a:p>
         </p:txBody>
@@ -4097,8 +3975,8 @@
         </p:nvSpPr>
         <p:spPr>
           <a:xfrm>
-            <a:off x="7863840" y="4398264"/>
-            <a:ext cx="3474720" cy="502920"/>
+            <a:off x="6263640" y="2240280"/>
+            <a:ext cx="1508760" cy="457200"/>
           </a:xfrm>
           <a:prstGeom prst="rect">
             <a:avLst/>
@@ -4111,16 +3989,16 @@
           </a:bodyPr>
           <a:lstStyle/>
           <a:p>
-            <a:pPr algn="l">
+            <a:pPr algn="ctr">
               <a:defRPr sz="1000" b="0">
                 <a:solidFill>
-                  <a:srgbClr val="212529"/>
-                </a:solidFill>
-                <a:latin typeface="Calibri"/>
-              </a:defRPr>
-            </a:pPr>
-            <a:r>
-              <a:t>Vercel + Railway + Neon (PostgreSQL) + Upstash (Redis)</a:t>
+                  <a:srgbClr val="6C757D"/>
+                </a:solidFill>
+                <a:latin typeface="Calibri"/>
+              </a:defRPr>
+            </a:pPr>
+            <a:r>
+              <a:t>Backend-Services</a:t>
             </a:r>
           </a:p>
         </p:txBody>
@@ -4133,8 +4011,8 @@
         </p:nvSpPr>
         <p:spPr>
           <a:xfrm>
-            <a:off x="6217920" y="5010912"/>
-            <a:ext cx="5303520" cy="594360"/>
+            <a:off x="8046720" y="1691640"/>
+            <a:ext cx="1691640" cy="868680"/>
           </a:xfrm>
           <a:prstGeom prst="rect">
             <a:avLst/>
@@ -4170,14 +4048,57 @@
       </p:sp>
       <p:sp>
         <p:nvSpPr>
-          <p:cNvPr id="26" name="TextBox 25"/>
+          <p:cNvPr id="26" name="Rectangle 25"/>
+          <p:cNvSpPr/>
+          <p:nvPr/>
+        </p:nvSpPr>
+        <p:spPr>
+          <a:xfrm>
+            <a:off x="8046720" y="1691640"/>
+            <a:ext cx="1691640" cy="50800"/>
+          </a:xfrm>
+          <a:prstGeom prst="rect">
+            <a:avLst/>
+          </a:prstGeom>
+          <a:solidFill>
+            <a:srgbClr val="F09319"/>
+          </a:solidFill>
+          <a:ln>
+            <a:noFill/>
+          </a:ln>
+        </p:spPr>
+        <p:style>
+          <a:lnRef idx="1">
+            <a:schemeClr val="accent1"/>
+          </a:lnRef>
+          <a:fillRef idx="3">
+            <a:schemeClr val="accent1"/>
+          </a:fillRef>
+          <a:effectRef idx="2">
+            <a:schemeClr val="accent1"/>
+          </a:effectRef>
+          <a:fontRef idx="minor">
+            <a:schemeClr val="lt1"/>
+          </a:fontRef>
+        </p:style>
+        <p:txBody>
+          <a:bodyPr rtlCol="0" anchor="ctr"/>
+          <a:lstStyle/>
+          <a:p>
+            <a:pPr algn="ctr"/>
+          </a:p>
+        </p:txBody>
+      </p:sp>
+      <p:sp>
+        <p:nvSpPr>
+          <p:cNvPr id="27" name="TextBox 26"/>
           <p:cNvSpPr txBox="1"/>
           <p:nvPr/>
         </p:nvSpPr>
         <p:spPr>
           <a:xfrm>
-            <a:off x="6355080" y="5056632"/>
-            <a:ext cx="1463040" cy="274320"/>
+            <a:off x="8183880" y="1828800"/>
+            <a:ext cx="1417320" cy="457200"/>
           </a:xfrm>
           <a:prstGeom prst="rect">
             <a:avLst/>
@@ -4190,30 +4111,30 @@
           </a:bodyPr>
           <a:lstStyle/>
           <a:p>
-            <a:pPr algn="l">
-              <a:defRPr sz="1100" b="1">
-                <a:solidFill>
-                  <a:srgbClr val="2E86AB"/>
-                </a:solidFill>
-                <a:latin typeface="Calibri"/>
-              </a:defRPr>
-            </a:pPr>
-            <a:r>
-              <a:t>Compliance</a:t>
-            </a:r>
-          </a:p>
-        </p:txBody>
-      </p:sp>
-      <p:sp>
-        <p:nvSpPr>
-          <p:cNvPr id="27" name="TextBox 26"/>
+            <a:pPr algn="ctr">
+              <a:defRPr sz="2400" b="1">
+                <a:solidFill>
+                  <a:srgbClr val="F09319"/>
+                </a:solidFill>
+                <a:latin typeface="Calibri"/>
+              </a:defRPr>
+            </a:pPr>
+            <a:r>
+              <a:t>24</a:t>
+            </a:r>
+          </a:p>
+        </p:txBody>
+      </p:sp>
+      <p:sp>
+        <p:nvSpPr>
+          <p:cNvPr id="28" name="TextBox 27"/>
           <p:cNvSpPr txBox="1"/>
           <p:nvPr/>
         </p:nvSpPr>
         <p:spPr>
           <a:xfrm>
-            <a:off x="7863840" y="5056632"/>
-            <a:ext cx="3474720" cy="502920"/>
+            <a:off x="8138160" y="2240280"/>
+            <a:ext cx="1508760" cy="457200"/>
           </a:xfrm>
           <a:prstGeom prst="rect">
             <a:avLst/>
@@ -4226,30 +4147,30 @@
           </a:bodyPr>
           <a:lstStyle/>
           <a:p>
-            <a:pPr algn="l">
+            <a:pPr algn="ctr">
               <a:defRPr sz="1000" b="0">
                 <a:solidFill>
-                  <a:srgbClr val="212529"/>
-                </a:solidFill>
-                <a:latin typeface="Calibri"/>
-              </a:defRPr>
-            </a:pPr>
-            <a:r>
-              <a:t>EEG 2023, §14a EnWG, MaStR, KfW-Forderung</a:t>
-            </a:r>
-          </a:p>
-        </p:txBody>
-      </p:sp>
-      <p:sp>
-        <p:nvSpPr>
-          <p:cNvPr id="28" name="Rectangle 27"/>
+                  <a:srgbClr val="6C757D"/>
+                </a:solidFill>
+                <a:latin typeface="Calibri"/>
+              </a:defRPr>
+            </a:pPr>
+            <a:r>
+              <a:t>React-Komponenten</a:t>
+            </a:r>
+          </a:p>
+        </p:txBody>
+      </p:sp>
+      <p:sp>
+        <p:nvSpPr>
+          <p:cNvPr id="29" name="Rectangle 28"/>
           <p:cNvSpPr/>
           <p:nvPr/>
         </p:nvSpPr>
         <p:spPr>
           <a:xfrm>
-            <a:off x="548640" y="5943600"/>
-            <a:ext cx="11064240" cy="640080"/>
+            <a:off x="9921240" y="1691640"/>
+            <a:ext cx="1691640" cy="868680"/>
           </a:xfrm>
           <a:prstGeom prst="rect">
             <a:avLst/>
@@ -4285,14 +4206,57 @@
       </p:sp>
       <p:sp>
         <p:nvSpPr>
-          <p:cNvPr id="29" name="TextBox 28"/>
+          <p:cNvPr id="30" name="Rectangle 29"/>
+          <p:cNvSpPr/>
+          <p:nvPr/>
+        </p:nvSpPr>
+        <p:spPr>
+          <a:xfrm>
+            <a:off x="9921240" y="1691640"/>
+            <a:ext cx="1691640" cy="50800"/>
+          </a:xfrm>
+          <a:prstGeom prst="rect">
+            <a:avLst/>
+          </a:prstGeom>
+          <a:solidFill>
+            <a:srgbClr val="F09319"/>
+          </a:solidFill>
+          <a:ln>
+            <a:noFill/>
+          </a:ln>
+        </p:spPr>
+        <p:style>
+          <a:lnRef idx="1">
+            <a:schemeClr val="accent1"/>
+          </a:lnRef>
+          <a:fillRef idx="3">
+            <a:schemeClr val="accent1"/>
+          </a:fillRef>
+          <a:effectRef idx="2">
+            <a:schemeClr val="accent1"/>
+          </a:effectRef>
+          <a:fontRef idx="minor">
+            <a:schemeClr val="lt1"/>
+          </a:fontRef>
+        </p:style>
+        <p:txBody>
+          <a:bodyPr rtlCol="0" anchor="ctr"/>
+          <a:lstStyle/>
+          <a:p>
+            <a:pPr algn="ctr"/>
+          </a:p>
+        </p:txBody>
+      </p:sp>
+      <p:sp>
+        <p:nvSpPr>
+          <p:cNvPr id="31" name="TextBox 30"/>
           <p:cNvSpPr txBox="1"/>
           <p:nvPr/>
         </p:nvSpPr>
         <p:spPr>
           <a:xfrm>
-            <a:off x="731520" y="5989320"/>
-            <a:ext cx="1828800" cy="274320"/>
+            <a:off x="10058400" y="1828800"/>
+            <a:ext cx="1417320" cy="457200"/>
           </a:xfrm>
           <a:prstGeom prst="rect">
             <a:avLst/>
@@ -4305,30 +4269,30 @@
           </a:bodyPr>
           <a:lstStyle/>
           <a:p>
-            <a:pPr algn="l">
-              <a:defRPr sz="1200" b="1">
-                <a:solidFill>
-                  <a:srgbClr val="1B2A4A"/>
-                </a:solidFill>
-                <a:latin typeface="Calibri"/>
-              </a:defRPr>
-            </a:pPr>
-            <a:r>
-              <a:t>Entwicklungsstatus:</a:t>
-            </a:r>
-          </a:p>
-        </p:txBody>
-      </p:sp>
-      <p:sp>
-        <p:nvSpPr>
-          <p:cNvPr id="30" name="TextBox 29"/>
+            <a:pPr algn="ctr">
+              <a:defRPr sz="2400" b="1">
+                <a:solidFill>
+                  <a:srgbClr val="F09319"/>
+                </a:solidFill>
+                <a:latin typeface="Calibri"/>
+              </a:defRPr>
+            </a:pPr>
+            <a:r>
+              <a:t>9</a:t>
+            </a:r>
+          </a:p>
+        </p:txBody>
+      </p:sp>
+      <p:sp>
+        <p:nvSpPr>
+          <p:cNvPr id="32" name="TextBox 31"/>
           <p:cNvSpPr txBox="1"/>
           <p:nvPr/>
         </p:nvSpPr>
         <p:spPr>
           <a:xfrm>
-            <a:off x="2560320" y="5989320"/>
-            <a:ext cx="2011680" cy="274320"/>
+            <a:off x="10012680" y="2240280"/>
+            <a:ext cx="1508760" cy="457200"/>
           </a:xfrm>
           <a:prstGeom prst="rect">
             <a:avLst/>
@@ -4341,30 +4305,30 @@
           </a:bodyPr>
           <a:lstStyle/>
           <a:p>
-            <a:pPr algn="l">
-              <a:defRPr sz="1100" b="1">
-                <a:solidFill>
-                  <a:srgbClr val="28A745"/>
-                </a:solidFill>
-                <a:latin typeface="Calibri"/>
-              </a:defRPr>
-            </a:pPr>
-            <a:r>
-              <a:t>✅ Phase 1: MVP</a:t>
-            </a:r>
-          </a:p>
-        </p:txBody>
-      </p:sp>
-      <p:sp>
-        <p:nvSpPr>
-          <p:cNvPr id="31" name="TextBox 30"/>
+            <a:pPr algn="ctr">
+              <a:defRPr sz="1000" b="0">
+                <a:solidFill>
+                  <a:srgbClr val="6C757D"/>
+                </a:solidFill>
+                <a:latin typeface="Calibri"/>
+              </a:defRPr>
+            </a:pPr>
+            <a:r>
+              <a:t>Datenbank-Modelle</a:t>
+            </a:r>
+          </a:p>
+        </p:txBody>
+      </p:sp>
+      <p:sp>
+        <p:nvSpPr>
+          <p:cNvPr id="33" name="TextBox 32"/>
           <p:cNvSpPr txBox="1"/>
           <p:nvPr/>
         </p:nvSpPr>
         <p:spPr>
           <a:xfrm>
-            <a:off x="4572000" y="5989320"/>
-            <a:ext cx="2011680" cy="274320"/>
+            <a:off x="548640" y="2788920"/>
+            <a:ext cx="5303520" cy="320040"/>
           </a:xfrm>
           <a:prstGeom prst="rect">
             <a:avLst/>
@@ -4378,29 +4342,29 @@
           <a:lstStyle/>
           <a:p>
             <a:pPr algn="l">
-              <a:defRPr sz="1100" b="1">
-                <a:solidFill>
-                  <a:srgbClr val="28A745"/>
-                </a:solidFill>
-                <a:latin typeface="Calibri"/>
-              </a:defRPr>
-            </a:pPr>
-            <a:r>
-              <a:t>✅ Phase 2: KI-Integration</a:t>
-            </a:r>
-          </a:p>
-        </p:txBody>
-      </p:sp>
-      <p:sp>
-        <p:nvSpPr>
-          <p:cNvPr id="32" name="TextBox 31"/>
+              <a:defRPr sz="1600" b="1">
+                <a:solidFill>
+                  <a:srgbClr val="1B2A4A"/>
+                </a:solidFill>
+                <a:latin typeface="Calibri"/>
+              </a:defRPr>
+            </a:pPr>
+            <a:r>
+              <a:t>Kernfunktionen</a:t>
+            </a:r>
+          </a:p>
+        </p:txBody>
+      </p:sp>
+      <p:sp>
+        <p:nvSpPr>
+          <p:cNvPr id="34" name="TextBox 33"/>
           <p:cNvSpPr txBox="1"/>
           <p:nvPr/>
         </p:nvSpPr>
         <p:spPr>
           <a:xfrm>
-            <a:off x="6949440" y="5989320"/>
-            <a:ext cx="2011680" cy="274320"/>
+            <a:off x="548640" y="3108960"/>
+            <a:ext cx="5303520" cy="1645920"/>
           </a:xfrm>
           <a:prstGeom prst="rect">
             <a:avLst/>
@@ -4413,30 +4377,97 @@
           </a:bodyPr>
           <a:lstStyle/>
           <a:p>
-            <a:pPr algn="l">
-              <a:defRPr sz="1100" b="1">
-                <a:solidFill>
-                  <a:srgbClr val="28A745"/>
-                </a:solidFill>
-                <a:latin typeface="Calibri"/>
-              </a:defRPr>
-            </a:pPr>
-            <a:r>
-              <a:t>✅ Phase 3: Integrationen</a:t>
-            </a:r>
-          </a:p>
-        </p:txBody>
-      </p:sp>
-      <p:sp>
-        <p:nvSpPr>
-          <p:cNvPr id="33" name="TextBox 32"/>
+            <a:pPr>
+              <a:spcAft>
+                <a:spcPts val="400"/>
+              </a:spcAft>
+              <a:defRPr sz="1100">
+                <a:solidFill>
+                  <a:srgbClr val="212529"/>
+                </a:solidFill>
+                <a:latin typeface="Calibri"/>
+              </a:defRPr>
+            </a:pPr>
+            <a:r>
+              <a:t>▸ Echtzeit PV+Batterie-Simulation (pvlib, stuendliche Aufloesung)</a:t>
+            </a:r>
+          </a:p>
+          <a:p>
+            <a:pPr>
+              <a:spcAft>
+                <a:spcPts val="400"/>
+              </a:spcAft>
+              <a:defRPr sz="1100">
+                <a:solidFill>
+                  <a:srgbClr val="212529"/>
+                </a:solidFill>
+                <a:latin typeface="Calibri"/>
+              </a:defRPr>
+            </a:pPr>
+            <a:r>
+              <a:t>▸ KI-optimierte Systemdimensionierung &amp; Angebotstexte (Claude Opus)</a:t>
+            </a:r>
+          </a:p>
+          <a:p>
+            <a:pPr>
+              <a:spcAft>
+                <a:spcPts val="400"/>
+              </a:spcAft>
+              <a:defRPr sz="1100">
+                <a:solidFill>
+                  <a:srgbClr val="212529"/>
+                </a:solidFill>
+                <a:latin typeface="Calibri"/>
+              </a:defRPr>
+            </a:pPr>
+            <a:r>
+              <a:t>▸ Professionelle PDF-Angebotserstellung mit White-Label-Branding</a:t>
+            </a:r>
+          </a:p>
+          <a:p>
+            <a:pPr>
+              <a:spcAft>
+                <a:spcPts val="400"/>
+              </a:spcAft>
+              <a:defRPr sz="1100">
+                <a:solidFill>
+                  <a:srgbClr val="212529"/>
+                </a:solidFill>
+                <a:latin typeface="Calibri"/>
+              </a:defRPr>
+            </a:pPr>
+            <a:r>
+              <a:t>▸ Finanzanalyse: ROI, Amortisation, Kapitalwert (NPV), IRR</a:t>
+            </a:r>
+          </a:p>
+          <a:p>
+            <a:pPr>
+              <a:spcAft>
+                <a:spcPts val="400"/>
+              </a:spcAft>
+              <a:defRPr sz="1100">
+                <a:solidFill>
+                  <a:srgbClr val="212529"/>
+                </a:solidFill>
+                <a:latin typeface="Calibri"/>
+              </a:defRPr>
+            </a:pPr>
+            <a:r>
+              <a:t>▸ Multi-Tenant-Architektur fuer Installateur-Netzwerk</a:t>
+            </a:r>
+          </a:p>
+        </p:txBody>
+      </p:sp>
+      <p:sp>
+        <p:nvSpPr>
+          <p:cNvPr id="35" name="TextBox 34"/>
           <p:cNvSpPr txBox="1"/>
           <p:nvPr/>
         </p:nvSpPr>
         <p:spPr>
           <a:xfrm>
-            <a:off x="9326880" y="5989320"/>
-            <a:ext cx="2011680" cy="274320"/>
+            <a:off x="548640" y="4800600"/>
+            <a:ext cx="5303520" cy="320040"/>
           </a:xfrm>
           <a:prstGeom prst="rect">
             <a:avLst/>
@@ -4450,29 +4481,29 @@
           <a:lstStyle/>
           <a:p>
             <a:pPr algn="l">
-              <a:defRPr sz="1100" b="1">
-                <a:solidFill>
-                  <a:srgbClr val="28A745"/>
-                </a:solidFill>
-                <a:latin typeface="Calibri"/>
-              </a:defRPr>
-            </a:pPr>
-            <a:r>
-              <a:t>✅ Phase 4: Enterprise</a:t>
-            </a:r>
-          </a:p>
-        </p:txBody>
-      </p:sp>
-      <p:sp>
-        <p:nvSpPr>
-          <p:cNvPr id="34" name="TextBox 33"/>
+              <a:defRPr sz="1600" b="1">
+                <a:solidFill>
+                  <a:srgbClr val="1B2A4A"/>
+                </a:solidFill>
+                <a:latin typeface="Calibri"/>
+              </a:defRPr>
+            </a:pPr>
+            <a:r>
+              <a:t>Integrationen &amp; Compliance</a:t>
+            </a:r>
+          </a:p>
+        </p:txBody>
+      </p:sp>
+      <p:sp>
+        <p:nvSpPr>
+          <p:cNvPr id="36" name="TextBox 35"/>
           <p:cNvSpPr txBox="1"/>
           <p:nvPr/>
         </p:nvSpPr>
         <p:spPr>
           <a:xfrm>
-            <a:off x="731520" y="6263640"/>
-            <a:ext cx="9144000" cy="274320"/>
+            <a:off x="548640" y="5120640"/>
+            <a:ext cx="5303520" cy="1188720"/>
           </a:xfrm>
           <a:prstGeom prst="rect">
             <a:avLst/>
@@ -4485,16 +4516,1000 @@
           </a:bodyPr>
           <a:lstStyle/>
           <a:p>
+            <a:pPr>
+              <a:spcAft>
+                <a:spcPts val="400"/>
+              </a:spcAft>
+              <a:defRPr sz="1100">
+                <a:solidFill>
+                  <a:srgbClr val="212529"/>
+                </a:solidFill>
+                <a:latin typeface="Calibri"/>
+              </a:defRPr>
+            </a:pPr>
+            <a:r>
+              <a:t>▸ DocuSign (E-Signatur) | HubSpot (CRM) | Google Maps (Standort)</a:t>
+            </a:r>
+          </a:p>
+          <a:p>
+            <a:pPr>
+              <a:spcAft>
+                <a:spcPts val="400"/>
+              </a:spcAft>
+              <a:defRPr sz="1100">
+                <a:solidFill>
+                  <a:srgbClr val="212529"/>
+                </a:solidFill>
+                <a:latin typeface="Calibri"/>
+              </a:defRPr>
+            </a:pPr>
+            <a:r>
+              <a:t>▸ PVGIS &amp; Open-Meteo (Wetter-/Ertragsdaten) | BNetzA-Tarife</a:t>
+            </a:r>
+          </a:p>
+          <a:p>
+            <a:pPr>
+              <a:spcAft>
+                <a:spcPts val="400"/>
+              </a:spcAft>
+              <a:defRPr sz="1100">
+                <a:solidFill>
+                  <a:srgbClr val="212529"/>
+                </a:solidFill>
+                <a:latin typeface="Calibri"/>
+              </a:defRPr>
+            </a:pPr>
+            <a:r>
+              <a:t>▸ EEG 2023, Paragraph 14a EnWG, MaStR, KfW-Foerderung vollstaendig integriert</a:t>
+            </a:r>
+          </a:p>
+        </p:txBody>
+      </p:sp>
+      <p:sp>
+        <p:nvSpPr>
+          <p:cNvPr id="37" name="TextBox 36"/>
+          <p:cNvSpPr txBox="1"/>
+          <p:nvPr/>
+        </p:nvSpPr>
+        <p:spPr>
+          <a:xfrm>
+            <a:off x="6217920" y="2788920"/>
+            <a:ext cx="5303520" cy="320040"/>
+          </a:xfrm>
+          <a:prstGeom prst="rect">
+            <a:avLst/>
+          </a:prstGeom>
+          <a:noFill/>
+        </p:spPr>
+        <p:txBody>
+          <a:bodyPr wrap="square">
+            <a:spAutoFit/>
+          </a:bodyPr>
+          <a:lstStyle/>
+          <a:p>
+            <a:pPr algn="l">
+              <a:defRPr sz="1600" b="1">
+                <a:solidFill>
+                  <a:srgbClr val="1B2A4A"/>
+                </a:solidFill>
+                <a:latin typeface="Calibri"/>
+              </a:defRPr>
+            </a:pPr>
+            <a:r>
+              <a:t>Technologie-Stack</a:t>
+            </a:r>
+          </a:p>
+        </p:txBody>
+      </p:sp>
+      <p:sp>
+        <p:nvSpPr>
+          <p:cNvPr id="38" name="Rectangle 37"/>
+          <p:cNvSpPr/>
+          <p:nvPr/>
+        </p:nvSpPr>
+        <p:spPr>
+          <a:xfrm>
+            <a:off x="6217920" y="3154680"/>
+            <a:ext cx="5303520" cy="502920"/>
+          </a:xfrm>
+          <a:prstGeom prst="rect">
+            <a:avLst/>
+          </a:prstGeom>
+          <a:solidFill>
+            <a:srgbClr val="FFFFFF"/>
+          </a:solidFill>
+          <a:ln>
+            <a:noFill/>
+          </a:ln>
+        </p:spPr>
+        <p:style>
+          <a:lnRef idx="1">
+            <a:schemeClr val="accent1"/>
+          </a:lnRef>
+          <a:fillRef idx="3">
+            <a:schemeClr val="accent1"/>
+          </a:fillRef>
+          <a:effectRef idx="2">
+            <a:schemeClr val="accent1"/>
+          </a:effectRef>
+          <a:fontRef idx="minor">
+            <a:schemeClr val="lt1"/>
+          </a:fontRef>
+        </p:style>
+        <p:txBody>
+          <a:bodyPr rtlCol="0" anchor="ctr"/>
+          <a:lstStyle/>
+          <a:p>
+            <a:pPr algn="ctr"/>
+          </a:p>
+        </p:txBody>
+      </p:sp>
+      <p:sp>
+        <p:nvSpPr>
+          <p:cNvPr id="39" name="TextBox 38"/>
+          <p:cNvSpPr txBox="1"/>
+          <p:nvPr/>
+        </p:nvSpPr>
+        <p:spPr>
+          <a:xfrm>
+            <a:off x="6355080" y="3200400"/>
+            <a:ext cx="1371600" cy="228600"/>
+          </a:xfrm>
+          <a:prstGeom prst="rect">
+            <a:avLst/>
+          </a:prstGeom>
+          <a:noFill/>
+        </p:spPr>
+        <p:txBody>
+          <a:bodyPr wrap="square">
+            <a:spAutoFit/>
+          </a:bodyPr>
+          <a:lstStyle/>
+          <a:p>
+            <a:pPr algn="l">
+              <a:defRPr sz="1000" b="1">
+                <a:solidFill>
+                  <a:srgbClr val="2E86AB"/>
+                </a:solidFill>
+                <a:latin typeface="Calibri"/>
+              </a:defRPr>
+            </a:pPr>
+            <a:r>
+              <a:t>Frontend</a:t>
+            </a:r>
+          </a:p>
+        </p:txBody>
+      </p:sp>
+      <p:sp>
+        <p:nvSpPr>
+          <p:cNvPr id="40" name="TextBox 39"/>
+          <p:cNvSpPr txBox="1"/>
+          <p:nvPr/>
+        </p:nvSpPr>
+        <p:spPr>
+          <a:xfrm>
+            <a:off x="7772400" y="3200400"/>
+            <a:ext cx="3566160" cy="411480"/>
+          </a:xfrm>
+          <a:prstGeom prst="rect">
+            <a:avLst/>
+          </a:prstGeom>
+          <a:noFill/>
+        </p:spPr>
+        <p:txBody>
+          <a:bodyPr wrap="square">
+            <a:spAutoFit/>
+          </a:bodyPr>
+          <a:lstStyle/>
+          <a:p>
             <a:pPr algn="l">
               <a:defRPr sz="1000" b="0">
                 <a:solidFill>
+                  <a:srgbClr val="212529"/>
+                </a:solidFill>
+                <a:latin typeface="Calibri"/>
+              </a:defRPr>
+            </a:pPr>
+            <a:r>
+              <a:t>Next.js 15, React 19, TypeScript, Tailwind CSS</a:t>
+            </a:r>
+          </a:p>
+        </p:txBody>
+      </p:sp>
+      <p:sp>
+        <p:nvSpPr>
+          <p:cNvPr id="41" name="Rectangle 40"/>
+          <p:cNvSpPr/>
+          <p:nvPr/>
+        </p:nvSpPr>
+        <p:spPr>
+          <a:xfrm>
+            <a:off x="6217920" y="3703320"/>
+            <a:ext cx="5303520" cy="502920"/>
+          </a:xfrm>
+          <a:prstGeom prst="rect">
+            <a:avLst/>
+          </a:prstGeom>
+          <a:solidFill>
+            <a:srgbClr val="FFFFFF"/>
+          </a:solidFill>
+          <a:ln>
+            <a:noFill/>
+          </a:ln>
+        </p:spPr>
+        <p:style>
+          <a:lnRef idx="1">
+            <a:schemeClr val="accent1"/>
+          </a:lnRef>
+          <a:fillRef idx="3">
+            <a:schemeClr val="accent1"/>
+          </a:fillRef>
+          <a:effectRef idx="2">
+            <a:schemeClr val="accent1"/>
+          </a:effectRef>
+          <a:fontRef idx="minor">
+            <a:schemeClr val="lt1"/>
+          </a:fontRef>
+        </p:style>
+        <p:txBody>
+          <a:bodyPr rtlCol="0" anchor="ctr"/>
+          <a:lstStyle/>
+          <a:p>
+            <a:pPr algn="ctr"/>
+          </a:p>
+        </p:txBody>
+      </p:sp>
+      <p:sp>
+        <p:nvSpPr>
+          <p:cNvPr id="42" name="TextBox 41"/>
+          <p:cNvSpPr txBox="1"/>
+          <p:nvPr/>
+        </p:nvSpPr>
+        <p:spPr>
+          <a:xfrm>
+            <a:off x="6355080" y="3749040"/>
+            <a:ext cx="1371600" cy="228600"/>
+          </a:xfrm>
+          <a:prstGeom prst="rect">
+            <a:avLst/>
+          </a:prstGeom>
+          <a:noFill/>
+        </p:spPr>
+        <p:txBody>
+          <a:bodyPr wrap="square">
+            <a:spAutoFit/>
+          </a:bodyPr>
+          <a:lstStyle/>
+          <a:p>
+            <a:pPr algn="l">
+              <a:defRPr sz="1000" b="1">
+                <a:solidFill>
+                  <a:srgbClr val="2E86AB"/>
+                </a:solidFill>
+                <a:latin typeface="Calibri"/>
+              </a:defRPr>
+            </a:pPr>
+            <a:r>
+              <a:t>Backend</a:t>
+            </a:r>
+          </a:p>
+        </p:txBody>
+      </p:sp>
+      <p:sp>
+        <p:nvSpPr>
+          <p:cNvPr id="43" name="TextBox 42"/>
+          <p:cNvSpPr txBox="1"/>
+          <p:nvPr/>
+        </p:nvSpPr>
+        <p:spPr>
+          <a:xfrm>
+            <a:off x="7772400" y="3749040"/>
+            <a:ext cx="3566160" cy="411480"/>
+          </a:xfrm>
+          <a:prstGeom prst="rect">
+            <a:avLst/>
+          </a:prstGeom>
+          <a:noFill/>
+        </p:spPr>
+        <p:txBody>
+          <a:bodyPr wrap="square">
+            <a:spAutoFit/>
+          </a:bodyPr>
+          <a:lstStyle/>
+          <a:p>
+            <a:pPr algn="l">
+              <a:defRPr sz="1000" b="0">
+                <a:solidFill>
+                  <a:srgbClr val="212529"/>
+                </a:solidFill>
+                <a:latin typeface="Calibri"/>
+              </a:defRPr>
+            </a:pPr>
+            <a:r>
+              <a:t>FastAPI, SQLAlchemy, Pydantic, pvlib-python</a:t>
+            </a:r>
+          </a:p>
+        </p:txBody>
+      </p:sp>
+      <p:sp>
+        <p:nvSpPr>
+          <p:cNvPr id="44" name="Rectangle 43"/>
+          <p:cNvSpPr/>
+          <p:nvPr/>
+        </p:nvSpPr>
+        <p:spPr>
+          <a:xfrm>
+            <a:off x="6217920" y="4251960"/>
+            <a:ext cx="5303520" cy="502920"/>
+          </a:xfrm>
+          <a:prstGeom prst="rect">
+            <a:avLst/>
+          </a:prstGeom>
+          <a:solidFill>
+            <a:srgbClr val="FFFFFF"/>
+          </a:solidFill>
+          <a:ln>
+            <a:noFill/>
+          </a:ln>
+        </p:spPr>
+        <p:style>
+          <a:lnRef idx="1">
+            <a:schemeClr val="accent1"/>
+          </a:lnRef>
+          <a:fillRef idx="3">
+            <a:schemeClr val="accent1"/>
+          </a:fillRef>
+          <a:effectRef idx="2">
+            <a:schemeClr val="accent1"/>
+          </a:effectRef>
+          <a:fontRef idx="minor">
+            <a:schemeClr val="lt1"/>
+          </a:fontRef>
+        </p:style>
+        <p:txBody>
+          <a:bodyPr rtlCol="0" anchor="ctr"/>
+          <a:lstStyle/>
+          <a:p>
+            <a:pPr algn="ctr"/>
+          </a:p>
+        </p:txBody>
+      </p:sp>
+      <p:sp>
+        <p:nvSpPr>
+          <p:cNvPr id="45" name="TextBox 44"/>
+          <p:cNvSpPr txBox="1"/>
+          <p:nvPr/>
+        </p:nvSpPr>
+        <p:spPr>
+          <a:xfrm>
+            <a:off x="6355080" y="4297680"/>
+            <a:ext cx="1371600" cy="228600"/>
+          </a:xfrm>
+          <a:prstGeom prst="rect">
+            <a:avLst/>
+          </a:prstGeom>
+          <a:noFill/>
+        </p:spPr>
+        <p:txBody>
+          <a:bodyPr wrap="square">
+            <a:spAutoFit/>
+          </a:bodyPr>
+          <a:lstStyle/>
+          <a:p>
+            <a:pPr algn="l">
+              <a:defRPr sz="1000" b="1">
+                <a:solidFill>
+                  <a:srgbClr val="2E86AB"/>
+                </a:solidFill>
+                <a:latin typeface="Calibri"/>
+              </a:defRPr>
+            </a:pPr>
+            <a:r>
+              <a:t>KI</a:t>
+            </a:r>
+          </a:p>
+        </p:txBody>
+      </p:sp>
+      <p:sp>
+        <p:nvSpPr>
+          <p:cNvPr id="46" name="TextBox 45"/>
+          <p:cNvSpPr txBox="1"/>
+          <p:nvPr/>
+        </p:nvSpPr>
+        <p:spPr>
+          <a:xfrm>
+            <a:off x="7772400" y="4297680"/>
+            <a:ext cx="3566160" cy="411480"/>
+          </a:xfrm>
+          <a:prstGeom prst="rect">
+            <a:avLst/>
+          </a:prstGeom>
+          <a:noFill/>
+        </p:spPr>
+        <p:txBody>
+          <a:bodyPr wrap="square">
+            <a:spAutoFit/>
+          </a:bodyPr>
+          <a:lstStyle/>
+          <a:p>
+            <a:pPr algn="l">
+              <a:defRPr sz="1000" b="0">
+                <a:solidFill>
+                  <a:srgbClr val="212529"/>
+                </a:solidFill>
+                <a:latin typeface="Calibri"/>
+              </a:defRPr>
+            </a:pPr>
+            <a:r>
+              <a:t>Anthropic Claude Opus - Intelligente Angebotsoptimierung</a:t>
+            </a:r>
+          </a:p>
+        </p:txBody>
+      </p:sp>
+      <p:sp>
+        <p:nvSpPr>
+          <p:cNvPr id="47" name="Rectangle 46"/>
+          <p:cNvSpPr/>
+          <p:nvPr/>
+        </p:nvSpPr>
+        <p:spPr>
+          <a:xfrm>
+            <a:off x="6217920" y="4800600"/>
+            <a:ext cx="5303520" cy="502920"/>
+          </a:xfrm>
+          <a:prstGeom prst="rect">
+            <a:avLst/>
+          </a:prstGeom>
+          <a:solidFill>
+            <a:srgbClr val="FFFFFF"/>
+          </a:solidFill>
+          <a:ln>
+            <a:noFill/>
+          </a:ln>
+        </p:spPr>
+        <p:style>
+          <a:lnRef idx="1">
+            <a:schemeClr val="accent1"/>
+          </a:lnRef>
+          <a:fillRef idx="3">
+            <a:schemeClr val="accent1"/>
+          </a:fillRef>
+          <a:effectRef idx="2">
+            <a:schemeClr val="accent1"/>
+          </a:effectRef>
+          <a:fontRef idx="minor">
+            <a:schemeClr val="lt1"/>
+          </a:fontRef>
+        </p:style>
+        <p:txBody>
+          <a:bodyPr rtlCol="0" anchor="ctr"/>
+          <a:lstStyle/>
+          <a:p>
+            <a:pPr algn="ctr"/>
+          </a:p>
+        </p:txBody>
+      </p:sp>
+      <p:sp>
+        <p:nvSpPr>
+          <p:cNvPr id="48" name="TextBox 47"/>
+          <p:cNvSpPr txBox="1"/>
+          <p:nvPr/>
+        </p:nvSpPr>
+        <p:spPr>
+          <a:xfrm>
+            <a:off x="6355080" y="4846320"/>
+            <a:ext cx="1371600" cy="228600"/>
+          </a:xfrm>
+          <a:prstGeom prst="rect">
+            <a:avLst/>
+          </a:prstGeom>
+          <a:noFill/>
+        </p:spPr>
+        <p:txBody>
+          <a:bodyPr wrap="square">
+            <a:spAutoFit/>
+          </a:bodyPr>
+          <a:lstStyle/>
+          <a:p>
+            <a:pPr algn="l">
+              <a:defRPr sz="1000" b="1">
+                <a:solidFill>
+                  <a:srgbClr val="2E86AB"/>
+                </a:solidFill>
+                <a:latin typeface="Calibri"/>
+              </a:defRPr>
+            </a:pPr>
+            <a:r>
+              <a:t>Infrastruktur</a:t>
+            </a:r>
+          </a:p>
+        </p:txBody>
+      </p:sp>
+      <p:sp>
+        <p:nvSpPr>
+          <p:cNvPr id="49" name="TextBox 48"/>
+          <p:cNvSpPr txBox="1"/>
+          <p:nvPr/>
+        </p:nvSpPr>
+        <p:spPr>
+          <a:xfrm>
+            <a:off x="7772400" y="4846320"/>
+            <a:ext cx="3566160" cy="411480"/>
+          </a:xfrm>
+          <a:prstGeom prst="rect">
+            <a:avLst/>
+          </a:prstGeom>
+          <a:noFill/>
+        </p:spPr>
+        <p:txBody>
+          <a:bodyPr wrap="square">
+            <a:spAutoFit/>
+          </a:bodyPr>
+          <a:lstStyle/>
+          <a:p>
+            <a:pPr algn="l">
+              <a:defRPr sz="1000" b="0">
+                <a:solidFill>
+                  <a:srgbClr val="212529"/>
+                </a:solidFill>
+                <a:latin typeface="Calibri"/>
+              </a:defRPr>
+            </a:pPr>
+            <a:r>
+              <a:t>Vercel + Railway + Neon (PostgreSQL) + Upstash (Redis)</a:t>
+            </a:r>
+          </a:p>
+        </p:txBody>
+      </p:sp>
+      <p:sp>
+        <p:nvSpPr>
+          <p:cNvPr id="50" name="Rectangle 49"/>
+          <p:cNvSpPr/>
+          <p:nvPr/>
+        </p:nvSpPr>
+        <p:spPr>
+          <a:xfrm>
+            <a:off x="6217920" y="5349240"/>
+            <a:ext cx="5303520" cy="502920"/>
+          </a:xfrm>
+          <a:prstGeom prst="rect">
+            <a:avLst/>
+          </a:prstGeom>
+          <a:solidFill>
+            <a:srgbClr val="FFFFFF"/>
+          </a:solidFill>
+          <a:ln>
+            <a:noFill/>
+          </a:ln>
+        </p:spPr>
+        <p:style>
+          <a:lnRef idx="1">
+            <a:schemeClr val="accent1"/>
+          </a:lnRef>
+          <a:fillRef idx="3">
+            <a:schemeClr val="accent1"/>
+          </a:fillRef>
+          <a:effectRef idx="2">
+            <a:schemeClr val="accent1"/>
+          </a:effectRef>
+          <a:fontRef idx="minor">
+            <a:schemeClr val="lt1"/>
+          </a:fontRef>
+        </p:style>
+        <p:txBody>
+          <a:bodyPr rtlCol="0" anchor="ctr"/>
+          <a:lstStyle/>
+          <a:p>
+            <a:pPr algn="ctr"/>
+          </a:p>
+        </p:txBody>
+      </p:sp>
+      <p:sp>
+        <p:nvSpPr>
+          <p:cNvPr id="51" name="TextBox 50"/>
+          <p:cNvSpPr txBox="1"/>
+          <p:nvPr/>
+        </p:nvSpPr>
+        <p:spPr>
+          <a:xfrm>
+            <a:off x="6355080" y="5394960"/>
+            <a:ext cx="1371600" cy="228600"/>
+          </a:xfrm>
+          <a:prstGeom prst="rect">
+            <a:avLst/>
+          </a:prstGeom>
+          <a:noFill/>
+        </p:spPr>
+        <p:txBody>
+          <a:bodyPr wrap="square">
+            <a:spAutoFit/>
+          </a:bodyPr>
+          <a:lstStyle/>
+          <a:p>
+            <a:pPr algn="l">
+              <a:defRPr sz="1000" b="1">
+                <a:solidFill>
+                  <a:srgbClr val="2E86AB"/>
+                </a:solidFill>
+                <a:latin typeface="Calibri"/>
+              </a:defRPr>
+            </a:pPr>
+            <a:r>
+              <a:t>Compliance</a:t>
+            </a:r>
+          </a:p>
+        </p:txBody>
+      </p:sp>
+      <p:sp>
+        <p:nvSpPr>
+          <p:cNvPr id="52" name="TextBox 51"/>
+          <p:cNvSpPr txBox="1"/>
+          <p:nvPr/>
+        </p:nvSpPr>
+        <p:spPr>
+          <a:xfrm>
+            <a:off x="7772400" y="5394960"/>
+            <a:ext cx="3566160" cy="411480"/>
+          </a:xfrm>
+          <a:prstGeom prst="rect">
+            <a:avLst/>
+          </a:prstGeom>
+          <a:noFill/>
+        </p:spPr>
+        <p:txBody>
+          <a:bodyPr wrap="square">
+            <a:spAutoFit/>
+          </a:bodyPr>
+          <a:lstStyle/>
+          <a:p>
+            <a:pPr algn="l">
+              <a:defRPr sz="1000" b="0">
+                <a:solidFill>
+                  <a:srgbClr val="212529"/>
+                </a:solidFill>
+                <a:latin typeface="Calibri"/>
+              </a:defRPr>
+            </a:pPr>
+            <a:r>
+              <a:t>EEG 2023, Paragraph 14a EnWG, MaStR, KfW</a:t>
+            </a:r>
+          </a:p>
+        </p:txBody>
+      </p:sp>
+      <p:sp>
+        <p:nvSpPr>
+          <p:cNvPr id="53" name="TextBox 52"/>
+          <p:cNvSpPr txBox="1"/>
+          <p:nvPr/>
+        </p:nvSpPr>
+        <p:spPr>
+          <a:xfrm>
+            <a:off x="6217920" y="6035040"/>
+            <a:ext cx="5303520" cy="320040"/>
+          </a:xfrm>
+          <a:prstGeom prst="rect">
+            <a:avLst/>
+          </a:prstGeom>
+          <a:noFill/>
+        </p:spPr>
+        <p:txBody>
+          <a:bodyPr wrap="square">
+            <a:spAutoFit/>
+          </a:bodyPr>
+          <a:lstStyle/>
+          <a:p>
+            <a:pPr algn="l">
+              <a:defRPr sz="1400" b="1">
+                <a:solidFill>
+                  <a:srgbClr val="1B2A4A"/>
+                </a:solidFill>
+                <a:latin typeface="Calibri"/>
+              </a:defRPr>
+            </a:pPr>
+            <a:r>
+              <a:t>End-to-End Workflow</a:t>
+            </a:r>
+          </a:p>
+        </p:txBody>
+      </p:sp>
+      <p:sp>
+        <p:nvSpPr>
+          <p:cNvPr id="54" name="Rectangle 53"/>
+          <p:cNvSpPr/>
+          <p:nvPr/>
+        </p:nvSpPr>
+        <p:spPr>
+          <a:xfrm>
+            <a:off x="6217920" y="6355080"/>
+            <a:ext cx="5303520" cy="411480"/>
+          </a:xfrm>
+          <a:prstGeom prst="rect">
+            <a:avLst/>
+          </a:prstGeom>
+          <a:solidFill>
+            <a:srgbClr val="1B2A4A"/>
+          </a:solidFill>
+          <a:ln>
+            <a:noFill/>
+          </a:ln>
+        </p:spPr>
+        <p:style>
+          <a:lnRef idx="1">
+            <a:schemeClr val="accent1"/>
+          </a:lnRef>
+          <a:fillRef idx="3">
+            <a:schemeClr val="accent1"/>
+          </a:fillRef>
+          <a:effectRef idx="2">
+            <a:schemeClr val="accent1"/>
+          </a:effectRef>
+          <a:fontRef idx="minor">
+            <a:schemeClr val="lt1"/>
+          </a:fontRef>
+        </p:style>
+        <p:txBody>
+          <a:bodyPr rtlCol="0" anchor="ctr"/>
+          <a:lstStyle/>
+          <a:p>
+            <a:pPr algn="ctr"/>
+          </a:p>
+        </p:txBody>
+      </p:sp>
+      <p:sp>
+        <p:nvSpPr>
+          <p:cNvPr id="55" name="TextBox 54"/>
+          <p:cNvSpPr txBox="1"/>
+          <p:nvPr/>
+        </p:nvSpPr>
+        <p:spPr>
+          <a:xfrm>
+            <a:off x="6217920" y="6355080"/>
+            <a:ext cx="5303520" cy="411480"/>
+          </a:xfrm>
+          <a:prstGeom prst="rect">
+            <a:avLst/>
+          </a:prstGeom>
+          <a:noFill/>
+        </p:spPr>
+        <p:txBody>
+          <a:bodyPr wrap="square">
+            <a:spAutoFit/>
+          </a:bodyPr>
+          <a:lstStyle/>
+          <a:p>
+            <a:pPr algn="ctr">
+              <a:defRPr sz="1100" b="1">
+                <a:solidFill>
+                  <a:srgbClr val="FFFFFF"/>
+                </a:solidFill>
+                <a:latin typeface="Calibri"/>
+              </a:defRPr>
+            </a:pPr>
+            <a:r>
+              <a:t>Konfiguration  --&gt;  Simulation  --&gt;  KI-Optimierung  --&gt;  PDF-Angebot  --&gt;  E-Signatur  --&gt;  CRM</a:t>
+            </a:r>
+          </a:p>
+        </p:txBody>
+      </p:sp>
+      <p:sp>
+        <p:nvSpPr>
+          <p:cNvPr id="56" name="Rectangle 55"/>
+          <p:cNvSpPr/>
+          <p:nvPr/>
+        </p:nvSpPr>
+        <p:spPr>
+          <a:xfrm>
+            <a:off x="548640" y="6080760"/>
+            <a:ext cx="11064240" cy="502920"/>
+          </a:xfrm>
+          <a:prstGeom prst="rect">
+            <a:avLst/>
+          </a:prstGeom>
+          <a:solidFill>
+            <a:srgbClr val="FFFFFF"/>
+          </a:solidFill>
+          <a:ln>
+            <a:noFill/>
+          </a:ln>
+        </p:spPr>
+        <p:style>
+          <a:lnRef idx="1">
+            <a:schemeClr val="accent1"/>
+          </a:lnRef>
+          <a:fillRef idx="3">
+            <a:schemeClr val="accent1"/>
+          </a:fillRef>
+          <a:effectRef idx="2">
+            <a:schemeClr val="accent1"/>
+          </a:effectRef>
+          <a:fontRef idx="minor">
+            <a:schemeClr val="lt1"/>
+          </a:fontRef>
+        </p:style>
+        <p:txBody>
+          <a:bodyPr rtlCol="0" anchor="ctr"/>
+          <a:lstStyle/>
+          <a:p>
+            <a:pPr algn="ctr"/>
+          </a:p>
+        </p:txBody>
+      </p:sp>
+      <p:sp>
+        <p:nvSpPr>
+          <p:cNvPr id="57" name="TextBox 56"/>
+          <p:cNvSpPr txBox="1"/>
+          <p:nvPr/>
+        </p:nvSpPr>
+        <p:spPr>
+          <a:xfrm>
+            <a:off x="731520" y="6126480"/>
+            <a:ext cx="2560320" cy="228600"/>
+          </a:xfrm>
+          <a:prstGeom prst="rect">
+            <a:avLst/>
+          </a:prstGeom>
+          <a:noFill/>
+        </p:spPr>
+        <p:txBody>
+          <a:bodyPr wrap="square">
+            <a:spAutoFit/>
+          </a:bodyPr>
+          <a:lstStyle/>
+          <a:p>
+            <a:pPr algn="l">
+              <a:defRPr sz="1100" b="1">
+                <a:solidFill>
+                  <a:srgbClr val="28A745"/>
+                </a:solidFill>
+                <a:latin typeface="Calibri"/>
+              </a:defRPr>
+            </a:pPr>
+            <a:r>
+              <a:t>[OK] Phase 1: MVP</a:t>
+            </a:r>
+          </a:p>
+        </p:txBody>
+      </p:sp>
+      <p:sp>
+        <p:nvSpPr>
+          <p:cNvPr id="58" name="TextBox 57"/>
+          <p:cNvSpPr txBox="1"/>
+          <p:nvPr/>
+        </p:nvSpPr>
+        <p:spPr>
+          <a:xfrm>
+            <a:off x="3200400" y="6126480"/>
+            <a:ext cx="2560320" cy="228600"/>
+          </a:xfrm>
+          <a:prstGeom prst="rect">
+            <a:avLst/>
+          </a:prstGeom>
+          <a:noFill/>
+        </p:spPr>
+        <p:txBody>
+          <a:bodyPr wrap="square">
+            <a:spAutoFit/>
+          </a:bodyPr>
+          <a:lstStyle/>
+          <a:p>
+            <a:pPr algn="l">
+              <a:defRPr sz="1100" b="1">
+                <a:solidFill>
+                  <a:srgbClr val="28A745"/>
+                </a:solidFill>
+                <a:latin typeface="Calibri"/>
+              </a:defRPr>
+            </a:pPr>
+            <a:r>
+              <a:t>[OK] Phase 2: KI-Integration</a:t>
+            </a:r>
+          </a:p>
+        </p:txBody>
+      </p:sp>
+      <p:sp>
+        <p:nvSpPr>
+          <p:cNvPr id="59" name="TextBox 58"/>
+          <p:cNvSpPr txBox="1"/>
+          <p:nvPr/>
+        </p:nvSpPr>
+        <p:spPr>
+          <a:xfrm>
+            <a:off x="5943600" y="6126480"/>
+            <a:ext cx="2560320" cy="228600"/>
+          </a:xfrm>
+          <a:prstGeom prst="rect">
+            <a:avLst/>
+          </a:prstGeom>
+          <a:noFill/>
+        </p:spPr>
+        <p:txBody>
+          <a:bodyPr wrap="square">
+            <a:spAutoFit/>
+          </a:bodyPr>
+          <a:lstStyle/>
+          <a:p>
+            <a:pPr algn="l">
+              <a:defRPr sz="1100" b="1">
+                <a:solidFill>
+                  <a:srgbClr val="28A745"/>
+                </a:solidFill>
+                <a:latin typeface="Calibri"/>
+              </a:defRPr>
+            </a:pPr>
+            <a:r>
+              <a:t>[OK] Phase 3: Integrationen</a:t>
+            </a:r>
+          </a:p>
+        </p:txBody>
+      </p:sp>
+      <p:sp>
+        <p:nvSpPr>
+          <p:cNvPr id="60" name="TextBox 59"/>
+          <p:cNvSpPr txBox="1"/>
+          <p:nvPr/>
+        </p:nvSpPr>
+        <p:spPr>
+          <a:xfrm>
+            <a:off x="8686800" y="6126480"/>
+            <a:ext cx="2560320" cy="228600"/>
+          </a:xfrm>
+          <a:prstGeom prst="rect">
+            <a:avLst/>
+          </a:prstGeom>
+          <a:noFill/>
+        </p:spPr>
+        <p:txBody>
+          <a:bodyPr wrap="square">
+            <a:spAutoFit/>
+          </a:bodyPr>
+          <a:lstStyle/>
+          <a:p>
+            <a:pPr algn="l">
+              <a:defRPr sz="1100" b="1">
+                <a:solidFill>
+                  <a:srgbClr val="28A745"/>
+                </a:solidFill>
+                <a:latin typeface="Calibri"/>
+              </a:defRPr>
+            </a:pPr>
+            <a:r>
+              <a:t>[OK] Phase 4: Enterprise</a:t>
+            </a:r>
+          </a:p>
+        </p:txBody>
+      </p:sp>
+      <p:sp>
+        <p:nvSpPr>
+          <p:cNvPr id="61" name="TextBox 60"/>
+          <p:cNvSpPr txBox="1"/>
+          <p:nvPr/>
+        </p:nvSpPr>
+        <p:spPr>
+          <a:xfrm>
+            <a:off x="731520" y="6355080"/>
+            <a:ext cx="9144000" cy="182880"/>
+          </a:xfrm>
+          <a:prstGeom prst="rect">
+            <a:avLst/>
+          </a:prstGeom>
+          <a:noFill/>
+        </p:spPr>
+        <p:txBody>
+          <a:bodyPr wrap="square">
+            <a:spAutoFit/>
+          </a:bodyPr>
+          <a:lstStyle/>
+          <a:p>
+            <a:pPr algn="l">
+              <a:defRPr sz="900" b="0">
+                <a:solidFill>
                   <a:srgbClr val="6C757D"/>
                 </a:solidFill>
                 <a:latin typeface="Calibri"/>
               </a:defRPr>
             </a:pPr>
             <a:r>
-              <a:t>Produktionsreife B2B-SaaS-Plattform | 4 Entwicklungsphasen abgeschlossen | KI-gestutzte Entwicklung mit Claude Code</a:t>
+              <a:t>Alle 4 Entwicklungsphasen abgeschlossen | Produktionsreif | KI-gestuetzte Entwicklung mit Claude Code (Anthropic)</a:t>
             </a:r>
           </a:p>
         </p:txBody>
@@ -4534,7 +5549,7 @@
         <p:spPr>
           <a:xfrm>
             <a:off x="0" y="0"/>
-            <a:ext cx="12191695" cy="1097280"/>
+            <a:ext cx="12191695" cy="1051560"/>
           </a:xfrm>
           <a:prstGeom prst="rect">
             <a:avLst/>
@@ -4576,8 +5591,8 @@
         </p:nvSpPr>
         <p:spPr>
           <a:xfrm>
-            <a:off x="731520" y="274320"/>
-            <a:ext cx="9144000" cy="457200"/>
+            <a:off x="731520" y="228600"/>
+            <a:ext cx="9144000" cy="411480"/>
           </a:xfrm>
           <a:prstGeom prst="rect">
             <a:avLst/>
@@ -4591,7 +5606,7 @@
           <a:lstStyle/>
           <a:p>
             <a:pPr algn="l">
-              <a:defRPr sz="2800" b="1">
+              <a:defRPr sz="2600" b="1">
                 <a:solidFill>
                   <a:srgbClr val="FFFFFF"/>
                 </a:solidFill>
@@ -4613,7 +5628,7 @@
         <p:spPr>
           <a:xfrm>
             <a:off x="731520" y="640080"/>
-            <a:ext cx="9144000" cy="365760"/>
+            <a:ext cx="9144000" cy="274320"/>
           </a:xfrm>
           <a:prstGeom prst="rect">
             <a:avLst/>
@@ -4627,7 +5642,7 @@
           <a:lstStyle/>
           <a:p>
             <a:pPr algn="l">
-              <a:defRPr sz="1100" b="0">
+              <a:defRPr sz="1000" b="0">
                 <a:solidFill>
                   <a:srgbClr val="A0C0DF"/>
                 </a:solidFill>
@@ -4635,7 +5650,7 @@
               </a:defRPr>
             </a:pPr>
             <a:r>
-              <a:t>Quellen: Wood Mackenzie, Mordor Intelligence, Grand View Research, BSW Solar, pv magazine, BNetzA</a:t>
+              <a:t>Quellen: Wood Mackenzie, Mordor Intelligence, SaaS Capital, BSW Solar, ESS-News, pv magazine, BNetzA</a:t>
             </a:r>
           </a:p>
         </p:txBody>
@@ -4648,8 +5663,8 @@
         </p:nvSpPr>
         <p:spPr>
           <a:xfrm>
-            <a:off x="548640" y="1371600"/>
-            <a:ext cx="2560320" cy="1051560"/>
+            <a:off x="548640" y="1280160"/>
+            <a:ext cx="2606040" cy="960120"/>
           </a:xfrm>
           <a:prstGeom prst="rect">
             <a:avLst/>
@@ -4691,8 +5706,8 @@
         </p:nvSpPr>
         <p:spPr>
           <a:xfrm>
-            <a:off x="548640" y="1371600"/>
-            <a:ext cx="2560320" cy="50800"/>
+            <a:off x="548640" y="1280160"/>
+            <a:ext cx="2606040" cy="50800"/>
           </a:xfrm>
           <a:prstGeom prst="rect">
             <a:avLst/>
@@ -4734,8 +5749,8 @@
         </p:nvSpPr>
         <p:spPr>
           <a:xfrm>
-            <a:off x="731520" y="1554480"/>
-            <a:ext cx="2194560" cy="548640"/>
+            <a:off x="685800" y="1417320"/>
+            <a:ext cx="2331720" cy="457200"/>
           </a:xfrm>
           <a:prstGeom prst="rect">
             <a:avLst/>
@@ -4749,7 +5764,7 @@
           <a:lstStyle/>
           <a:p>
             <a:pPr algn="ctr">
-              <a:defRPr sz="2600" b="1">
+              <a:defRPr sz="2400" b="1">
                 <a:solidFill>
                   <a:srgbClr val="2E86AB"/>
                 </a:solidFill>
@@ -4770,8 +5785,8 @@
         </p:nvSpPr>
         <p:spPr>
           <a:xfrm>
-            <a:off x="640080" y="2011680"/>
-            <a:ext cx="2377440" cy="457200"/>
+            <a:off x="640080" y="1828800"/>
+            <a:ext cx="2423160" cy="457200"/>
           </a:xfrm>
           <a:prstGeom prst="rect">
             <a:avLst/>
@@ -4785,7 +5800,7 @@
           <a:lstStyle/>
           <a:p>
             <a:pPr algn="ctr">
-              <a:defRPr sz="1100" b="0">
+              <a:defRPr sz="1000" b="0">
                 <a:solidFill>
                   <a:srgbClr val="6C757D"/>
                 </a:solidFill>
@@ -4793,7 +5808,7 @@
               </a:defRPr>
             </a:pPr>
             <a:r>
-              <a:t>DE Speicherkapazitat 2025</a:t>
+              <a:t>DE Speicherkapazitaet 2025</a:t>
             </a:r>
             <a:br/>
             <a:r>
@@ -4810,8 +5825,8 @@
         </p:nvSpPr>
         <p:spPr>
           <a:xfrm>
-            <a:off x="3429000" y="1371600"/>
-            <a:ext cx="2560320" cy="1051560"/>
+            <a:off x="3429000" y="1280160"/>
+            <a:ext cx="2606040" cy="960120"/>
           </a:xfrm>
           <a:prstGeom prst="rect">
             <a:avLst/>
@@ -4853,8 +5868,8 @@
         </p:nvSpPr>
         <p:spPr>
           <a:xfrm>
-            <a:off x="3429000" y="1371600"/>
-            <a:ext cx="2560320" cy="50800"/>
+            <a:off x="3429000" y="1280160"/>
+            <a:ext cx="2606040" cy="50800"/>
           </a:xfrm>
           <a:prstGeom prst="rect">
             <a:avLst/>
@@ -4896,8 +5911,8 @@
         </p:nvSpPr>
         <p:spPr>
           <a:xfrm>
-            <a:off x="3611880" y="1554480"/>
-            <a:ext cx="2194560" cy="548640"/>
+            <a:off x="3566160" y="1417320"/>
+            <a:ext cx="2331720" cy="457200"/>
           </a:xfrm>
           <a:prstGeom prst="rect">
             <a:avLst/>
@@ -4911,7 +5926,7 @@
           <a:lstStyle/>
           <a:p>
             <a:pPr algn="ctr">
-              <a:defRPr sz="2600" b="1">
+              <a:defRPr sz="2400" b="1">
                 <a:solidFill>
                   <a:srgbClr val="28A745"/>
                 </a:solidFill>
@@ -4932,8 +5947,8 @@
         </p:nvSpPr>
         <p:spPr>
           <a:xfrm>
-            <a:off x="3520440" y="2011680"/>
-            <a:ext cx="2377440" cy="457200"/>
+            <a:off x="3520440" y="1828800"/>
+            <a:ext cx="2423160" cy="457200"/>
           </a:xfrm>
           <a:prstGeom prst="rect">
             <a:avLst/>
@@ -4947,7 +5962,7 @@
           <a:lstStyle/>
           <a:p>
             <a:pPr algn="ctr">
-              <a:defRPr sz="1100" b="0">
+              <a:defRPr sz="1000" b="0">
                 <a:solidFill>
                   <a:srgbClr val="6C757D"/>
                 </a:solidFill>
@@ -4972,8 +5987,8 @@
         </p:nvSpPr>
         <p:spPr>
           <a:xfrm>
-            <a:off x="6309360" y="1371600"/>
-            <a:ext cx="2560320" cy="1051560"/>
+            <a:off x="6309360" y="1280160"/>
+            <a:ext cx="2606040" cy="960120"/>
           </a:xfrm>
           <a:prstGeom prst="rect">
             <a:avLst/>
@@ -5015,8 +6030,8 @@
         </p:nvSpPr>
         <p:spPr>
           <a:xfrm>
-            <a:off x="6309360" y="1371600"/>
-            <a:ext cx="2560320" cy="50800"/>
+            <a:off x="6309360" y="1280160"/>
+            <a:ext cx="2606040" cy="50800"/>
           </a:xfrm>
           <a:prstGeom prst="rect">
             <a:avLst/>
@@ -5058,8 +6073,8 @@
         </p:nvSpPr>
         <p:spPr>
           <a:xfrm>
-            <a:off x="6492240" y="1554480"/>
-            <a:ext cx="2194560" cy="548640"/>
+            <a:off x="6446520" y="1417320"/>
+            <a:ext cx="2331720" cy="457200"/>
           </a:xfrm>
           <a:prstGeom prst="rect">
             <a:avLst/>
@@ -5073,7 +6088,7 @@
           <a:lstStyle/>
           <a:p>
             <a:pPr algn="ctr">
-              <a:defRPr sz="2600" b="1">
+              <a:defRPr sz="2400" b="1">
                 <a:solidFill>
                   <a:srgbClr val="F09319"/>
                 </a:solidFill>
@@ -5081,7 +6096,7 @@
               </a:defRPr>
             </a:pPr>
             <a:r>
-              <a:t>$19 Mrd.</a:t>
+              <a:t>EUR 19 Mrd.</a:t>
             </a:r>
           </a:p>
         </p:txBody>
@@ -5094,8 +6109,8 @@
         </p:nvSpPr>
         <p:spPr>
           <a:xfrm>
-            <a:off x="6400800" y="2011680"/>
-            <a:ext cx="2377440" cy="457200"/>
+            <a:off x="6400800" y="1828800"/>
+            <a:ext cx="2423160" cy="457200"/>
           </a:xfrm>
           <a:prstGeom prst="rect">
             <a:avLst/>
@@ -5109,7 +6124,7 @@
           <a:lstStyle/>
           <a:p>
             <a:pPr algn="ctr">
-              <a:defRPr sz="1100" b="0">
+              <a:defRPr sz="1000" b="0">
                 <a:solidFill>
                   <a:srgbClr val="6C757D"/>
                 </a:solidFill>
@@ -5121,7 +6136,7 @@
             </a:r>
             <a:br/>
             <a:r>
-              <a:t>(Gesamtmarkt 2024)</a:t>
+              <a:t>(Gesamtvolumen 2024)</a:t>
             </a:r>
           </a:p>
         </p:txBody>
@@ -5134,8 +6149,8 @@
         </p:nvSpPr>
         <p:spPr>
           <a:xfrm>
-            <a:off x="9189720" y="1371600"/>
-            <a:ext cx="2560320" cy="1051560"/>
+            <a:off x="9189720" y="1280160"/>
+            <a:ext cx="2606040" cy="960120"/>
           </a:xfrm>
           <a:prstGeom prst="rect">
             <a:avLst/>
@@ -5177,8 +6192,8 @@
         </p:nvSpPr>
         <p:spPr>
           <a:xfrm>
-            <a:off x="9189720" y="1371600"/>
-            <a:ext cx="2560320" cy="50800"/>
+            <a:off x="9189720" y="1280160"/>
+            <a:ext cx="2606040" cy="50800"/>
           </a:xfrm>
           <a:prstGeom prst="rect">
             <a:avLst/>
@@ -5220,8 +6235,8 @@
         </p:nvSpPr>
         <p:spPr>
           <a:xfrm>
-            <a:off x="9372600" y="1554480"/>
-            <a:ext cx="2194560" cy="548640"/>
+            <a:off x="9326880" y="1417320"/>
+            <a:ext cx="2331720" cy="457200"/>
           </a:xfrm>
           <a:prstGeom prst="rect">
             <a:avLst/>
@@ -5235,7 +6250,7 @@
           <a:lstStyle/>
           <a:p>
             <a:pPr algn="ctr">
-              <a:defRPr sz="2600" b="1">
+              <a:defRPr sz="2400" b="1">
                 <a:solidFill>
                   <a:srgbClr val="2E86AB"/>
                 </a:solidFill>
@@ -5243,7 +6258,7 @@
               </a:defRPr>
             </a:pPr>
             <a:r>
-              <a:t>$2,5 Mrd.</a:t>
+              <a:t>EUR 2,5 Mrd.</a:t>
             </a:r>
           </a:p>
         </p:txBody>
@@ -5256,8 +6271,8 @@
         </p:nvSpPr>
         <p:spPr>
           <a:xfrm>
-            <a:off x="9281160" y="2011680"/>
-            <a:ext cx="2377440" cy="457200"/>
+            <a:off x="9281160" y="1828800"/>
+            <a:ext cx="2423160" cy="457200"/>
           </a:xfrm>
           <a:prstGeom prst="rect">
             <a:avLst/>
@@ -5271,7 +6286,7 @@
           <a:lstStyle/>
           <a:p>
             <a:pPr algn="ctr">
-              <a:defRPr sz="1100" b="0">
+              <a:defRPr sz="1000" b="0">
                 <a:solidFill>
                   <a:srgbClr val="6C757D"/>
                 </a:solidFill>
@@ -5296,8 +6311,8 @@
         </p:nvSpPr>
         <p:spPr>
           <a:xfrm>
-            <a:off x="548640" y="2743200"/>
-            <a:ext cx="5486400" cy="365760"/>
+            <a:off x="548640" y="2514600"/>
+            <a:ext cx="5669280" cy="320040"/>
           </a:xfrm>
           <a:prstGeom prst="rect">
             <a:avLst/>
@@ -5311,7 +6326,7 @@
           <a:lstStyle/>
           <a:p>
             <a:pPr algn="l">
-              <a:defRPr sz="1600" b="1">
+              <a:defRPr sz="1500" b="1">
                 <a:solidFill>
                   <a:srgbClr val="1B2A4A"/>
                 </a:solidFill>
@@ -5332,8 +6347,8 @@
         </p:nvSpPr>
         <p:spPr>
           <a:xfrm>
-            <a:off x="548640" y="3108960"/>
-            <a:ext cx="5486400" cy="3200400"/>
+            <a:off x="548640" y="2834640"/>
+            <a:ext cx="5669280" cy="2926080"/>
           </a:xfrm>
           <a:prstGeom prst="rect">
             <a:avLst/>
@@ -5348,9 +6363,9 @@
           <a:p>
             <a:pPr>
               <a:spcAft>
-                <a:spcPts val="500"/>
+                <a:spcPts val="400"/>
               </a:spcAft>
-              <a:defRPr sz="1100">
+              <a:defRPr sz="1050">
                 <a:solidFill>
                   <a:srgbClr val="212529"/>
                 </a:solidFill>
@@ -5358,15 +6373,15 @@
               </a:defRPr>
             </a:pPr>
             <a:r>
-              <a:t>▸ PV-Software-Markt: $1,88 Mrd. (2025) → $2,81 Mrd. (2034), CAGR 6-9%</a:t>
+              <a:t>▸ PV-Software-Markt: $1,88 Mrd. (2025) -&gt; $2,81 Mrd. (2034), CAGR 6-9%</a:t>
             </a:r>
           </a:p>
           <a:p>
             <a:pPr>
               <a:spcAft>
-                <a:spcPts val="500"/>
+                <a:spcPts val="400"/>
               </a:spcAft>
-              <a:defRPr sz="1100">
+              <a:defRPr sz="1050">
                 <a:solidFill>
                   <a:srgbClr val="212529"/>
                 </a:solidFill>
@@ -5374,15 +6389,15 @@
               </a:defRPr>
             </a:pPr>
             <a:r>
-              <a:t>▸ C&amp;I Energiespeicher-Markt: $92 Mrd. (2025) → $164 Mrd. (2030), CAGR 12,3%</a:t>
+              <a:t>▸ C&amp;I Energiespeicher: $92 Mrd. (2025) -&gt; $164 Mrd. (2030), CAGR 12,3%</a:t>
             </a:r>
           </a:p>
           <a:p>
             <a:pPr>
               <a:spcAft>
-                <a:spcPts val="500"/>
+                <a:spcPts val="400"/>
               </a:spcAft>
-              <a:defRPr sz="1100">
+              <a:defRPr sz="1050">
                 <a:solidFill>
                   <a:srgbClr val="212529"/>
                 </a:solidFill>
@@ -5390,15 +6405,15 @@
               </a:defRPr>
             </a:pPr>
             <a:r>
-              <a:t>▸ Gewerbespeicher DE: 1.248 Systeme im Jan. 2026 (+34% YoY)</a:t>
+              <a:t>▸ Gewerbespeicher DE: 1.248 Systeme Jan. 2026 (+34% YoY)</a:t>
             </a:r>
           </a:p>
           <a:p>
             <a:pPr>
               <a:spcAft>
-                <a:spcPts val="500"/>
+                <a:spcPts val="400"/>
               </a:spcAft>
-              <a:defRPr sz="1100">
+              <a:defRPr sz="1050">
                 <a:solidFill>
                   <a:srgbClr val="212529"/>
                 </a:solidFill>
@@ -5406,15 +6421,15 @@
               </a:defRPr>
             </a:pPr>
             <a:r>
-              <a:t>▸ 575 Stunden negative Strompreise in 2025 – Speicher wirtschaftlich attraktiv</a:t>
+              <a:t>▸ 575 Stunden neg. Strompreise 2025 - Speicher hochattraktiv</a:t>
             </a:r>
           </a:p>
           <a:p>
             <a:pPr>
               <a:spcAft>
-                <a:spcPts val="500"/>
+                <a:spcPts val="400"/>
               </a:spcAft>
-              <a:defRPr sz="1100">
+              <a:defRPr sz="1050">
                 <a:solidFill>
                   <a:srgbClr val="212529"/>
                 </a:solidFill>
@@ -5422,15 +6437,15 @@
               </a:defRPr>
             </a:pPr>
             <a:r>
-              <a:t>▸ SaaS-Bewertung: 4-7x ARR fur B2B-Software (Median 7x, SaaS Capital 2025)</a:t>
+              <a:t>▸ Solar Peak Act (Feb. 2025): Speicher wirtschaftlich Pflicht</a:t>
             </a:r>
           </a:p>
           <a:p>
             <a:pPr>
               <a:spcAft>
-                <a:spcPts val="500"/>
+                <a:spcPts val="400"/>
               </a:spcAft>
-              <a:defRPr sz="1100">
+              <a:defRPr sz="1050">
                 <a:solidFill>
                   <a:srgbClr val="212529"/>
                 </a:solidFill>
@@ -5438,15 +6453,15 @@
               </a:defRPr>
             </a:pPr>
             <a:r>
-              <a:t>▸ Solar Peak Act (Feb 2025): Intelligente Steuerung + Speicher nun Pflicht</a:t>
+              <a:t>▸ EU-Ziel 42,5% Erneuerbare bis 2030 treibt Investitionen</a:t>
             </a:r>
           </a:p>
           <a:p>
             <a:pPr>
               <a:spcAft>
-                <a:spcPts val="500"/>
+                <a:spcPts val="400"/>
               </a:spcAft>
-              <a:defRPr sz="1100">
+              <a:defRPr sz="1050">
                 <a:solidFill>
                   <a:srgbClr val="212529"/>
                 </a:solidFill>
@@ -5454,7 +6469,23 @@
               </a:defRPr>
             </a:pPr>
             <a:r>
-              <a:t>▸ EU-Ziel 42,5% Erneuerbare bis 2030 treibt Investitionen</a:t>
+              <a:t>▸ 22 Energy-SaaS-Akquisitionen in 2025 (Tracxn)</a:t>
+            </a:r>
+          </a:p>
+          <a:p>
+            <a:pPr>
+              <a:spcAft>
+                <a:spcPts val="400"/>
+              </a:spcAft>
+              <a:defRPr sz="1050">
+                <a:solidFill>
+                  <a:srgbClr val="212529"/>
+                </a:solidFill>
+                <a:latin typeface="Calibri"/>
+              </a:defRPr>
+            </a:pPr>
+            <a:r>
+              <a:t>▸ PE-Fonds aktiv im Industrial/Energy-Software-Segment</a:t>
             </a:r>
           </a:p>
         </p:txBody>
@@ -5467,8 +6498,8 @@
         </p:nvSpPr>
         <p:spPr>
           <a:xfrm>
-            <a:off x="6400800" y="2743200"/>
-            <a:ext cx="5029200" cy="365760"/>
+            <a:off x="6492240" y="2514600"/>
+            <a:ext cx="5120640" cy="320040"/>
           </a:xfrm>
           <a:prstGeom prst="rect">
             <a:avLst/>
@@ -5482,7 +6513,7 @@
           <a:lstStyle/>
           <a:p>
             <a:pPr algn="l">
-              <a:defRPr sz="1600" b="1">
+              <a:defRPr sz="1500" b="1">
                 <a:solidFill>
                   <a:srgbClr val="1B2A4A"/>
                 </a:solidFill>
@@ -5503,8 +6534,8 @@
         </p:nvSpPr>
         <p:spPr>
           <a:xfrm>
-            <a:off x="6400800" y="3200400"/>
-            <a:ext cx="5029200" cy="502920"/>
+            <a:off x="6492240" y="2926080"/>
+            <a:ext cx="5120640" cy="457200"/>
           </a:xfrm>
           <a:prstGeom prst="rect">
             <a:avLst/>
@@ -5546,8 +6577,8 @@
         </p:nvSpPr>
         <p:spPr>
           <a:xfrm>
-            <a:off x="6537960" y="3227832"/>
-            <a:ext cx="2011680" cy="228600"/>
+            <a:off x="6629400" y="2944368"/>
+            <a:ext cx="1828800" cy="201168"/>
           </a:xfrm>
           <a:prstGeom prst="rect">
             <a:avLst/>
@@ -5561,7 +6592,7 @@
           <a:lstStyle/>
           <a:p>
             <a:pPr algn="l">
-              <a:defRPr sz="1100" b="1">
+              <a:defRPr sz="1000" b="1">
                 <a:solidFill>
                   <a:srgbClr val="2E86AB"/>
                 </a:solidFill>
@@ -5582,8 +6613,8 @@
         </p:nvSpPr>
         <p:spPr>
           <a:xfrm>
-            <a:off x="6537960" y="3456432"/>
-            <a:ext cx="2011680" cy="228600"/>
+            <a:off x="6629400" y="3154680"/>
+            <a:ext cx="1828800" cy="201168"/>
           </a:xfrm>
           <a:prstGeom prst="rect">
             <a:avLst/>
@@ -5605,7 +6636,7 @@
               </a:defRPr>
             </a:pPr>
             <a:r>
-              <a:t>Desktop, ~845€/Jahr</a:t>
+              <a:t>Desktop, ~845 EUR/J.</a:t>
             </a:r>
           </a:p>
         </p:txBody>
@@ -5618,8 +6649,8 @@
         </p:nvSpPr>
         <p:spPr>
           <a:xfrm>
-            <a:off x="8595360" y="3291840"/>
-            <a:ext cx="2743200" cy="320040"/>
+            <a:off x="8503920" y="2999232"/>
+            <a:ext cx="3017520" cy="320040"/>
           </a:xfrm>
           <a:prstGeom prst="rect">
             <a:avLst/>
@@ -5635,13 +6666,13 @@
             <a:pPr algn="l">
               <a:defRPr sz="1000" b="0">
                 <a:solidFill>
-                  <a:srgbClr val="212529"/>
-                </a:solidFill>
-                <a:latin typeface="Calibri"/>
-              </a:defRPr>
-            </a:pPr>
-            <a:r>
-              <a:t>Simulation, keine KI</a:t>
+                  <a:srgbClr val="DC3545"/>
+                </a:solidFill>
+                <a:latin typeface="Calibri"/>
+              </a:defRPr>
+            </a:pPr>
+            <a:r>
+              <a:t>Nur Simulation, keine KI, kein E2E</a:t>
             </a:r>
           </a:p>
         </p:txBody>
@@ -5654,8 +6685,8 @@
         </p:nvSpPr>
         <p:spPr>
           <a:xfrm>
-            <a:off x="6400800" y="3767328"/>
-            <a:ext cx="5029200" cy="502920"/>
+            <a:off x="6492240" y="3429000"/>
+            <a:ext cx="5120640" cy="457200"/>
           </a:xfrm>
           <a:prstGeom prst="rect">
             <a:avLst/>
@@ -5697,8 +6728,8 @@
         </p:nvSpPr>
         <p:spPr>
           <a:xfrm>
-            <a:off x="6537960" y="3794760"/>
-            <a:ext cx="2011680" cy="228600"/>
+            <a:off x="6629400" y="3447288"/>
+            <a:ext cx="1828800" cy="201168"/>
           </a:xfrm>
           <a:prstGeom prst="rect">
             <a:avLst/>
@@ -5712,7 +6743,7 @@
           <a:lstStyle/>
           <a:p>
             <a:pPr algn="l">
-              <a:defRPr sz="1100" b="1">
+              <a:defRPr sz="1000" b="1">
                 <a:solidFill>
                   <a:srgbClr val="2E86AB"/>
                 </a:solidFill>
@@ -5733,8 +6764,8 @@
         </p:nvSpPr>
         <p:spPr>
           <a:xfrm>
-            <a:off x="6537960" y="4023360"/>
-            <a:ext cx="2011680" cy="228600"/>
+            <a:off x="6629400" y="3657600"/>
+            <a:ext cx="1828800" cy="201168"/>
           </a:xfrm>
           <a:prstGeom prst="rect">
             <a:avLst/>
@@ -5769,8 +6800,8 @@
         </p:nvSpPr>
         <p:spPr>
           <a:xfrm>
-            <a:off x="8595360" y="3858768"/>
-            <a:ext cx="2743200" cy="320040"/>
+            <a:off x="8503920" y="3502152"/>
+            <a:ext cx="3017520" cy="320040"/>
           </a:xfrm>
           <a:prstGeom prst="rect">
             <a:avLst/>
@@ -5786,7 +6817,7 @@
             <a:pPr algn="l">
               <a:defRPr sz="1000" b="0">
                 <a:solidFill>
-                  <a:srgbClr val="212529"/>
+                  <a:srgbClr val="DC3545"/>
                 </a:solidFill>
                 <a:latin typeface="Calibri"/>
               </a:defRPr>
@@ -5805,8 +6836,8 @@
         </p:nvSpPr>
         <p:spPr>
           <a:xfrm>
-            <a:off x="6400800" y="4334256"/>
-            <a:ext cx="5029200" cy="502920"/>
+            <a:off x="6492240" y="3931920"/>
+            <a:ext cx="5120640" cy="457200"/>
           </a:xfrm>
           <a:prstGeom prst="rect">
             <a:avLst/>
@@ -5848,8 +6879,8 @@
         </p:nvSpPr>
         <p:spPr>
           <a:xfrm>
-            <a:off x="6537960" y="4361688"/>
-            <a:ext cx="2011680" cy="228600"/>
+            <a:off x="6629400" y="3950208"/>
+            <a:ext cx="1828800" cy="201168"/>
           </a:xfrm>
           <a:prstGeom prst="rect">
             <a:avLst/>
@@ -5863,7 +6894,7 @@
           <a:lstStyle/>
           <a:p>
             <a:pPr algn="l">
-              <a:defRPr sz="1100" b="1">
+              <a:defRPr sz="1000" b="1">
                 <a:solidFill>
                   <a:srgbClr val="2E86AB"/>
                 </a:solidFill>
@@ -5884,8 +6915,8 @@
         </p:nvSpPr>
         <p:spPr>
           <a:xfrm>
-            <a:off x="6537960" y="4590288"/>
-            <a:ext cx="2011680" cy="228600"/>
+            <a:off x="6629400" y="4160520"/>
+            <a:ext cx="1828800" cy="201168"/>
           </a:xfrm>
           <a:prstGeom prst="rect">
             <a:avLst/>
@@ -5907,7 +6938,7 @@
               </a:defRPr>
             </a:pPr>
             <a:r>
-              <a:t>SaaS, US-fokussiert</a:t>
+              <a:t>SaaS, US-Markt</a:t>
             </a:r>
           </a:p>
         </p:txBody>
@@ -5920,8 +6951,8 @@
         </p:nvSpPr>
         <p:spPr>
           <a:xfrm>
-            <a:off x="8595360" y="4425696"/>
-            <a:ext cx="2743200" cy="320040"/>
+            <a:off x="8503920" y="4005072"/>
+            <a:ext cx="3017520" cy="320040"/>
           </a:xfrm>
           <a:prstGeom prst="rect">
             <a:avLst/>
@@ -5937,13 +6968,13 @@
             <a:pPr algn="l">
               <a:defRPr sz="1000" b="0">
                 <a:solidFill>
-                  <a:srgbClr val="212529"/>
-                </a:solidFill>
-                <a:latin typeface="Calibri"/>
-              </a:defRPr>
-            </a:pPr>
-            <a:r>
-              <a:t>Speicher, keine DE-Compliance</a:t>
+                  <a:srgbClr val="DC3545"/>
+                </a:solidFill>
+                <a:latin typeface="Calibri"/>
+              </a:defRPr>
+            </a:pPr>
+            <a:r>
+              <a:t>Speicher, aber keine DE-Compliance</a:t>
             </a:r>
           </a:p>
         </p:txBody>
@@ -5956,8 +6987,8 @@
         </p:nvSpPr>
         <p:spPr>
           <a:xfrm>
-            <a:off x="6400800" y="4901184"/>
-            <a:ext cx="5029200" cy="502920"/>
+            <a:off x="6492240" y="4434840"/>
+            <a:ext cx="5120640" cy="457200"/>
           </a:xfrm>
           <a:prstGeom prst="rect">
             <a:avLst/>
@@ -5999,8 +7030,8 @@
         </p:nvSpPr>
         <p:spPr>
           <a:xfrm>
-            <a:off x="6537960" y="4928616"/>
-            <a:ext cx="2011680" cy="228600"/>
+            <a:off x="6629400" y="4453128"/>
+            <a:ext cx="1828800" cy="201168"/>
           </a:xfrm>
           <a:prstGeom prst="rect">
             <a:avLst/>
@@ -6014,7 +7045,7 @@
           <a:lstStyle/>
           <a:p>
             <a:pPr algn="l">
-              <a:defRPr sz="1100" b="1">
+              <a:defRPr sz="1000" b="1">
                 <a:solidFill>
                   <a:srgbClr val="2E86AB"/>
                 </a:solidFill>
@@ -6035,8 +7066,8 @@
         </p:nvSpPr>
         <p:spPr>
           <a:xfrm>
-            <a:off x="6537960" y="5157216"/>
-            <a:ext cx="2011680" cy="228600"/>
+            <a:off x="6629400" y="4663440"/>
+            <a:ext cx="1828800" cy="201168"/>
           </a:xfrm>
           <a:prstGeom prst="rect">
             <a:avLst/>
@@ -6058,7 +7089,7 @@
               </a:defRPr>
             </a:pPr>
             <a:r>
-              <a:t>Enterprise / Desktop</a:t>
+              <a:t>Enterprise/Desktop</a:t>
             </a:r>
           </a:p>
         </p:txBody>
@@ -6071,8 +7102,8 @@
         </p:nvSpPr>
         <p:spPr>
           <a:xfrm>
-            <a:off x="8595360" y="4992624"/>
-            <a:ext cx="2743200" cy="320040"/>
+            <a:off x="8503920" y="4507992"/>
+            <a:ext cx="3017520" cy="320040"/>
           </a:xfrm>
           <a:prstGeom prst="rect">
             <a:avLst/>
@@ -6088,7 +7119,7 @@
             <a:pPr algn="l">
               <a:defRPr sz="1000" b="0">
                 <a:solidFill>
-                  <a:srgbClr val="212529"/>
+                  <a:srgbClr val="DC3545"/>
                 </a:solidFill>
                 <a:latin typeface="Calibri"/>
               </a:defRPr>
@@ -6107,8 +7138,8 @@
         </p:nvSpPr>
         <p:spPr>
           <a:xfrm>
-            <a:off x="6400800" y="5605272"/>
-            <a:ext cx="5029200" cy="822960"/>
+            <a:off x="6492240" y="5029200"/>
+            <a:ext cx="5120640" cy="1097280"/>
           </a:xfrm>
           <a:prstGeom prst="rect">
             <a:avLst/>
@@ -6150,8 +7181,8 @@
         </p:nvSpPr>
         <p:spPr>
           <a:xfrm>
-            <a:off x="6537960" y="5650992"/>
-            <a:ext cx="4754880" cy="274320"/>
+            <a:off x="6629400" y="5074920"/>
+            <a:ext cx="4846320" cy="228600"/>
           </a:xfrm>
           <a:prstGeom prst="rect">
             <a:avLst/>
@@ -6167,13 +7198,13 @@
             <a:pPr algn="l">
               <a:defRPr sz="1200" b="1">
                 <a:solidFill>
-                  <a:srgbClr val="FFFFFF"/>
-                </a:solidFill>
-                <a:latin typeface="Calibri"/>
-              </a:defRPr>
-            </a:pPr>
-            <a:r>
-              <a:t>Gewerbespeicher Planner – Unser USP</a:t>
+                  <a:srgbClr val="28A745"/>
+                </a:solidFill>
+                <a:latin typeface="Calibri"/>
+              </a:defRPr>
+            </a:pPr>
+            <a:r>
+              <a:t>Gewerbespeicher Planner - Unser USP</a:t>
             </a:r>
           </a:p>
         </p:txBody>
@@ -6186,8 +7217,8 @@
         </p:nvSpPr>
         <p:spPr>
           <a:xfrm>
-            <a:off x="6537960" y="5925312"/>
-            <a:ext cx="4754880" cy="457200"/>
+            <a:off x="6629400" y="5303520"/>
+            <a:ext cx="4846320" cy="777240"/>
           </a:xfrm>
           <a:prstGeom prst="rect">
             <a:avLst/>
@@ -6200,20 +7231,67 @@
           </a:bodyPr>
           <a:lstStyle/>
           <a:p>
-            <a:pPr algn="l">
-              <a:defRPr sz="1000" b="0">
-                <a:solidFill>
-                  <a:srgbClr val="A0C0DF"/>
-                </a:solidFill>
-                <a:latin typeface="Calibri"/>
-              </a:defRPr>
-            </a:pPr>
-            <a:r>
-              <a:t>KI-Optimierung + DE-Compliance + Multi-Tenant + E2E Workflow</a:t>
-            </a:r>
-            <a:br/>
-            <a:r>
-              <a:t>(Simulation → Angebot → Signatur → CRM)</a:t>
+            <a:pPr>
+              <a:spcAft>
+                <a:spcPts val="400"/>
+              </a:spcAft>
+              <a:defRPr sz="1000">
+                <a:solidFill>
+                  <a:srgbClr val="C0D5E8"/>
+                </a:solidFill>
+                <a:latin typeface="Calibri"/>
+              </a:defRPr>
+            </a:pPr>
+            <a:r>
+              <a:t>▸ Einzige DE-Loesung: KI + Compliance + End-to-End</a:t>
+            </a:r>
+          </a:p>
+          <a:p>
+            <a:pPr>
+              <a:spcAft>
+                <a:spcPts val="400"/>
+              </a:spcAft>
+              <a:defRPr sz="1000">
+                <a:solidFill>
+                  <a:srgbClr val="C0D5E8"/>
+                </a:solidFill>
+                <a:latin typeface="Calibri"/>
+              </a:defRPr>
+            </a:pPr>
+            <a:r>
+              <a:t>▸ Kompletter Workflow: Simulation -&gt; Angebot -&gt; Signatur -&gt; CRM</a:t>
+            </a:r>
+          </a:p>
+          <a:p>
+            <a:pPr>
+              <a:spcAft>
+                <a:spcPts val="400"/>
+              </a:spcAft>
+              <a:defRPr sz="1000">
+                <a:solidFill>
+                  <a:srgbClr val="C0D5E8"/>
+                </a:solidFill>
+                <a:latin typeface="Calibri"/>
+              </a:defRPr>
+            </a:pPr>
+            <a:r>
+              <a:t>▸ Multi-Tenant White-Label fuer Installateur-Skalierung</a:t>
+            </a:r>
+          </a:p>
+          <a:p>
+            <a:pPr>
+              <a:spcAft>
+                <a:spcPts val="400"/>
+              </a:spcAft>
+              <a:defRPr sz="1000">
+                <a:solidFill>
+                  <a:srgbClr val="C0D5E8"/>
+                </a:solidFill>
+                <a:latin typeface="Calibri"/>
+              </a:defRPr>
+            </a:pPr>
+            <a:r>
+              <a:t>▸ Regulatorische Komplexitaet als Markteintrittsbarriere</a:t>
             </a:r>
           </a:p>
         </p:txBody>
@@ -6270,7 +7348,7 @@
         <p:spPr>
           <a:xfrm>
             <a:off x="548640" y="6172200"/>
-            <a:ext cx="10972800" cy="548640"/>
+            <a:ext cx="10972800" cy="457200"/>
           </a:xfrm>
           <a:prstGeom prst="rect">
             <a:avLst/>
@@ -6284,7 +7362,7 @@
           <a:lstStyle/>
           <a:p>
             <a:pPr algn="l">
-              <a:defRPr sz="900" b="0">
+              <a:defRPr sz="800" b="0">
                 <a:solidFill>
                   <a:srgbClr val="6C757D"/>
                 </a:solidFill>
@@ -6292,7 +7370,7 @@
               </a:defRPr>
             </a:pPr>
             <a:r>
-              <a:t>Quellen: Wood Mackenzie (2025) | Mordor Intelligence C&amp;I Storage Report | BSW Solar | ESS-News.com | SaaS Capital Valuation Report 2025 | pv magazine DE | Grand View Research | Precedence Research | BNetzA</a:t>
+              <a:t>Quellen: Wood Mackenzie (2025) | Mordor Intelligence C&amp;I Storage Report | BSW Solar | ESS-News.com (Jan 2026) | SaaS Capital Valuation 2025 | pv magazine DE | Tracxn Energy SaaS 2026 | BNetzA | Precedence Research</a:t>
             </a:r>
           </a:p>
         </p:txBody>
@@ -6332,7 +7410,7 @@
         <p:spPr>
           <a:xfrm>
             <a:off x="0" y="0"/>
-            <a:ext cx="12191695" cy="1097280"/>
+            <a:ext cx="12191695" cy="1051560"/>
           </a:xfrm>
           <a:prstGeom prst="rect">
             <a:avLst/>
@@ -6374,8 +7452,8 @@
         </p:nvSpPr>
         <p:spPr>
           <a:xfrm>
-            <a:off x="731520" y="274320"/>
-            <a:ext cx="9144000" cy="457200"/>
+            <a:off x="731520" y="182880"/>
+            <a:ext cx="8229600" cy="411480"/>
           </a:xfrm>
           <a:prstGeom prst="rect">
             <a:avLst/>
@@ -6389,7 +7467,7 @@
           <a:lstStyle/>
           <a:p>
             <a:pPr algn="l">
-              <a:defRPr sz="2800" b="1">
+              <a:defRPr sz="2600" b="1">
                 <a:solidFill>
                   <a:srgbClr val="FFFFFF"/>
                 </a:solidFill>
@@ -6397,7 +7475,7 @@
               </a:defRPr>
             </a:pPr>
             <a:r>
-              <a:t>Strategischer Wert &amp; Nachster Schritt</a:t>
+              <a:t>Wertdarstellung: Was ist diese Anwendung wert?</a:t>
             </a:r>
           </a:p>
         </p:txBody>
@@ -6410,8 +7488,8 @@
         </p:nvSpPr>
         <p:spPr>
           <a:xfrm>
-            <a:off x="731520" y="640080"/>
-            <a:ext cx="9144000" cy="365760"/>
+            <a:off x="731520" y="594360"/>
+            <a:ext cx="8229600" cy="274320"/>
           </a:xfrm>
           <a:prstGeom prst="rect">
             <a:avLst/>
@@ -6425,7 +7503,7 @@
           <a:lstStyle/>
           <a:p>
             <a:pPr algn="l">
-              <a:defRPr sz="1400" b="0">
+              <a:defRPr sz="1200" b="0">
                 <a:solidFill>
                   <a:srgbClr val="A0C0DF"/>
                 </a:solidFill>
@@ -6433,7 +7511,7 @@
               </a:defRPr>
             </a:pPr>
             <a:r>
-              <a:t>Warum diese Anwendung ein strategisches Asset fur EWS GmbH ist</a:t>
+              <a:t>Drei Perspektiven: Wiederbeschaffungswert, KI-Kostenersparnis und SaaS-Bewertungspotenzial</a:t>
             </a:r>
           </a:p>
         </p:txBody>
@@ -6446,8 +7524,8 @@
         </p:nvSpPr>
         <p:spPr>
           <a:xfrm>
-            <a:off x="9875520" y="274320"/>
-            <a:ext cx="1920240" cy="640080"/>
+            <a:off x="9601200" y="182880"/>
+            <a:ext cx="2194560" cy="640080"/>
           </a:xfrm>
           <a:prstGeom prst="rect">
             <a:avLst/>
@@ -6489,8 +7567,8 @@
         </p:nvSpPr>
         <p:spPr>
           <a:xfrm>
-            <a:off x="9875520" y="301752"/>
-            <a:ext cx="1920240" cy="320040"/>
+            <a:off x="9601200" y="201168"/>
+            <a:ext cx="2194560" cy="320040"/>
           </a:xfrm>
           <a:prstGeom prst="rect">
             <a:avLst/>
@@ -6512,7 +7590,7 @@
               </a:defRPr>
             </a:pPr>
             <a:r>
-              <a:t>✨ Built with AI</a:t>
+              <a:t>Built with AI</a:t>
             </a:r>
           </a:p>
         </p:txBody>
@@ -6525,8 +7603,8 @@
         </p:nvSpPr>
         <p:spPr>
           <a:xfrm>
-            <a:off x="9875520" y="548640"/>
-            <a:ext cx="1920240" cy="320040"/>
+            <a:off x="9601200" y="475488"/>
+            <a:ext cx="2194560" cy="320040"/>
           </a:xfrm>
           <a:prstGeom prst="rect">
             <a:avLst/>
@@ -6548,7 +7626,7 @@
               </a:defRPr>
             </a:pPr>
             <a:r>
-              <a:t>Claude Code &amp; Opus</a:t>
+              <a:t>Claude Code (Anthropic)</a:t>
             </a:r>
           </a:p>
         </p:txBody>
@@ -6561,8 +7639,8 @@
         </p:nvSpPr>
         <p:spPr>
           <a:xfrm>
-            <a:off x="548640" y="1371600"/>
-            <a:ext cx="3474720" cy="2377440"/>
+            <a:off x="548640" y="1280160"/>
+            <a:ext cx="3566160" cy="3017520"/>
           </a:xfrm>
           <a:prstGeom prst="rect">
             <a:avLst/>
@@ -6604,8 +7682,8 @@
         </p:nvSpPr>
         <p:spPr>
           <a:xfrm>
-            <a:off x="548640" y="1371600"/>
-            <a:ext cx="3474720" cy="63500"/>
+            <a:off x="548640" y="1280160"/>
+            <a:ext cx="3566160" cy="63500"/>
           </a:xfrm>
           <a:prstGeom prst="rect">
             <a:avLst/>
@@ -6647,8 +7725,8 @@
         </p:nvSpPr>
         <p:spPr>
           <a:xfrm>
-            <a:off x="731520" y="1508760"/>
-            <a:ext cx="3108960" cy="274320"/>
+            <a:off x="731520" y="1389888"/>
+            <a:ext cx="3200400" cy="274320"/>
           </a:xfrm>
           <a:prstGeom prst="rect">
             <a:avLst/>
@@ -6670,7 +7748,7 @@
               </a:defRPr>
             </a:pPr>
             <a:r>
-              <a:t>💰 Umsatzpotenzial</a:t>
+              <a:t>Wiederbeschaffungswert</a:t>
             </a:r>
           </a:p>
         </p:txBody>
@@ -6683,8 +7761,8 @@
         </p:nvSpPr>
         <p:spPr>
           <a:xfrm>
-            <a:off x="731520" y="1874520"/>
-            <a:ext cx="3108960" cy="1828800"/>
+            <a:off x="731520" y="1645920"/>
+            <a:ext cx="3200400" cy="182880"/>
           </a:xfrm>
           <a:prstGeom prst="rect">
             <a:avLst/>
@@ -6697,11 +7775,47 @@
           </a:bodyPr>
           <a:lstStyle/>
           <a:p>
+            <a:pPr algn="l">
+              <a:defRPr sz="900" b="0">
+                <a:solidFill>
+                  <a:srgbClr val="6C757D"/>
+                </a:solidFill>
+                <a:latin typeface="Calibri"/>
+              </a:defRPr>
+            </a:pPr>
+            <a:r>
+              <a:t>Was wuerde konventionelle Entwicklung kosten?</a:t>
+            </a:r>
+          </a:p>
+        </p:txBody>
+      </p:sp>
+      <p:sp>
+        <p:nvSpPr>
+          <p:cNvPr id="12" name="TextBox 11"/>
+          <p:cNvSpPr txBox="1"/>
+          <p:nvPr/>
+        </p:nvSpPr>
+        <p:spPr>
+          <a:xfrm>
+            <a:off x="731520" y="1828800"/>
+            <a:ext cx="3200400" cy="1828800"/>
+          </a:xfrm>
+          <a:prstGeom prst="rect">
+            <a:avLst/>
+          </a:prstGeom>
+          <a:noFill/>
+        </p:spPr>
+        <p:txBody>
+          <a:bodyPr wrap="square">
+            <a:spAutoFit/>
+          </a:bodyPr>
+          <a:lstStyle/>
+          <a:p>
             <a:pPr>
               <a:spcAft>
-                <a:spcPts val="300"/>
+                <a:spcPts val="100"/>
               </a:spcAft>
-              <a:defRPr sz="1050">
+              <a:defRPr sz="900">
                 <a:solidFill>
                   <a:srgbClr val="212529"/>
                 </a:solidFill>
@@ -6709,47 +7823,44 @@
               </a:defRPr>
             </a:pPr>
             <a:r>
-              <a:t>▸ SaaS-Lizenzmodell pro Installateur/Monat</a:t>
+              <a:t>31.569 Zeilen Code, 94 Dateien, 101 API-Endpunkte</a:t>
             </a:r>
           </a:p>
           <a:p>
             <a:pPr>
               <a:spcAft>
-                <a:spcPts val="300"/>
+                <a:spcPts val="100"/>
               </a:spcAft>
-              <a:defRPr sz="1050">
+              <a:defRPr sz="900">
                 <a:solidFill>
                   <a:srgbClr val="212529"/>
                 </a:solidFill>
                 <a:latin typeface="Calibri"/>
               </a:defRPr>
             </a:pPr>
-            <a:r>
-              <a:t>▸ Skalierbar uber Multi-Tenant-Architektur</a:t>
-            </a:r>
           </a:p>
           <a:p>
             <a:pPr>
               <a:spcAft>
-                <a:spcPts val="300"/>
+                <a:spcPts val="100"/>
               </a:spcAft>
-              <a:defRPr sz="1050">
-                <a:solidFill>
-                  <a:srgbClr val="212529"/>
-                </a:solidFill>
-                <a:latin typeface="Calibri"/>
-              </a:defRPr>
-            </a:pPr>
-            <a:r>
-              <a:t>▸ C&amp;I Speichermarkt DE: +34% Wachstum YoY</a:t>
+              <a:defRPr sz="900">
+                <a:solidFill>
+                  <a:srgbClr val="2E86AB"/>
+                </a:solidFill>
+                <a:latin typeface="Calibri"/>
+              </a:defRPr>
+            </a:pPr>
+            <a:r>
+              <a:t>Geschaetzter Aufwand (konventionell):</a:t>
             </a:r>
           </a:p>
           <a:p>
             <a:pPr>
               <a:spcAft>
-                <a:spcPts val="300"/>
+                <a:spcPts val="100"/>
               </a:spcAft>
-              <a:defRPr sz="1050">
+              <a:defRPr sz="900">
                 <a:solidFill>
                   <a:srgbClr val="212529"/>
                 </a:solidFill>
@@ -6757,15 +7868,15 @@
               </a:defRPr>
             </a:pPr>
             <a:r>
-              <a:t>▸ SaaS-Bewertung: 4-7x jahrlicher Umsatz</a:t>
+              <a:t>  Senior Full-Stack-Entwickler    12 Monate</a:t>
             </a:r>
           </a:p>
           <a:p>
             <a:pPr>
               <a:spcAft>
-                <a:spcPts val="300"/>
+                <a:spcPts val="100"/>
               </a:spcAft>
-              <a:defRPr sz="1050">
+              <a:defRPr sz="900">
                 <a:solidFill>
                   <a:srgbClr val="212529"/>
                 </a:solidFill>
@@ -6773,21 +7884,202 @@
               </a:defRPr>
             </a:pPr>
             <a:r>
-              <a:t>▸ Zusatzerlorse uber PDF-Angebote &amp; CRM-Leads</a:t>
-            </a:r>
-          </a:p>
-        </p:txBody>
-      </p:sp>
-      <p:sp>
-        <p:nvSpPr>
-          <p:cNvPr id="12" name="Rectangle 11"/>
+              <a:t>  UX/UI-Designer                          3 Monate</a:t>
+            </a:r>
+          </a:p>
+          <a:p>
+            <a:pPr>
+              <a:spcAft>
+                <a:spcPts val="100"/>
+              </a:spcAft>
+              <a:defRPr sz="900">
+                <a:solidFill>
+                  <a:srgbClr val="212529"/>
+                </a:solidFill>
+                <a:latin typeface="Calibri"/>
+              </a:defRPr>
+            </a:pPr>
+            <a:r>
+              <a:t>  DevOps/Infrastruktur                  2 Monate</a:t>
+            </a:r>
+          </a:p>
+          <a:p>
+            <a:pPr>
+              <a:spcAft>
+                <a:spcPts val="100"/>
+              </a:spcAft>
+              <a:defRPr sz="900">
+                <a:solidFill>
+                  <a:srgbClr val="212529"/>
+                </a:solidFill>
+                <a:latin typeface="Calibri"/>
+              </a:defRPr>
+            </a:pPr>
+            <a:r>
+              <a:t>  Projektmanagement                    6 Monate</a:t>
+            </a:r>
+          </a:p>
+          <a:p>
+            <a:pPr>
+              <a:spcAft>
+                <a:spcPts val="100"/>
+              </a:spcAft>
+              <a:defRPr sz="900">
+                <a:solidFill>
+                  <a:srgbClr val="212529"/>
+                </a:solidFill>
+                <a:latin typeface="Calibri"/>
+              </a:defRPr>
+            </a:pPr>
+            <a:r>
+              <a:t>  Domain-Experte (Solar/Energie)  3 Monate</a:t>
+            </a:r>
+          </a:p>
+          <a:p>
+            <a:pPr>
+              <a:spcAft>
+                <a:spcPts val="100"/>
+              </a:spcAft>
+              <a:defRPr sz="900">
+                <a:solidFill>
+                  <a:srgbClr val="2E86AB"/>
+                </a:solidFill>
+                <a:latin typeface="Calibri"/>
+              </a:defRPr>
+            </a:pPr>
+            <a:r>
+              <a:t>  = ca. 26 Personenmonate</a:t>
+            </a:r>
+          </a:p>
+          <a:p>
+            <a:pPr>
+              <a:spcAft>
+                <a:spcPts val="100"/>
+              </a:spcAft>
+              <a:defRPr sz="900">
+                <a:solidFill>
+                  <a:srgbClr val="212529"/>
+                </a:solidFill>
+                <a:latin typeface="Calibri"/>
+              </a:defRPr>
+            </a:pPr>
+          </a:p>
+          <a:p>
+            <a:pPr>
+              <a:spcAft>
+                <a:spcPts val="100"/>
+              </a:spcAft>
+              <a:defRPr sz="900">
+                <a:solidFill>
+                  <a:srgbClr val="212529"/>
+                </a:solidFill>
+                <a:latin typeface="Calibri"/>
+              </a:defRPr>
+            </a:pPr>
+            <a:r>
+              <a:t>DE Agentur-Stundensatz: EUR 100-150/Std.</a:t>
+            </a:r>
+          </a:p>
+          <a:p>
+            <a:pPr>
+              <a:spcAft>
+                <a:spcPts val="100"/>
+              </a:spcAft>
+              <a:defRPr sz="900">
+                <a:solidFill>
+                  <a:srgbClr val="212529"/>
+                </a:solidFill>
+                <a:latin typeface="Calibri"/>
+              </a:defRPr>
+            </a:pPr>
+            <a:r>
+              <a:t>26 PM x 160 Std. x EUR 120 =</a:t>
+            </a:r>
+          </a:p>
+        </p:txBody>
+      </p:sp>
+      <p:sp>
+        <p:nvSpPr>
+          <p:cNvPr id="13" name="TextBox 12"/>
+          <p:cNvSpPr txBox="1"/>
+          <p:nvPr/>
+        </p:nvSpPr>
+        <p:spPr>
+          <a:xfrm>
+            <a:off x="731520" y="3566160"/>
+            <a:ext cx="3200400" cy="457200"/>
+          </a:xfrm>
+          <a:prstGeom prst="rect">
+            <a:avLst/>
+          </a:prstGeom>
+          <a:noFill/>
+        </p:spPr>
+        <p:txBody>
+          <a:bodyPr wrap="square">
+            <a:spAutoFit/>
+          </a:bodyPr>
+          <a:lstStyle/>
+          <a:p>
+            <a:pPr algn="ctr">
+              <a:defRPr sz="2200" b="1">
+                <a:solidFill>
+                  <a:srgbClr val="2E86AB"/>
+                </a:solidFill>
+                <a:latin typeface="Calibri"/>
+              </a:defRPr>
+            </a:pPr>
+            <a:r>
+              <a:t>EUR 350.000 - 500.000</a:t>
+            </a:r>
+          </a:p>
+        </p:txBody>
+      </p:sp>
+      <p:sp>
+        <p:nvSpPr>
+          <p:cNvPr id="14" name="TextBox 13"/>
+          <p:cNvSpPr txBox="1"/>
+          <p:nvPr/>
+        </p:nvSpPr>
+        <p:spPr>
+          <a:xfrm>
+            <a:off x="731520" y="3977640"/>
+            <a:ext cx="3200400" cy="228600"/>
+          </a:xfrm>
+          <a:prstGeom prst="rect">
+            <a:avLst/>
+          </a:prstGeom>
+          <a:noFill/>
+        </p:spPr>
+        <p:txBody>
+          <a:bodyPr wrap="square">
+            <a:spAutoFit/>
+          </a:bodyPr>
+          <a:lstStyle/>
+          <a:p>
+            <a:pPr algn="ctr">
+              <a:defRPr sz="700" b="0">
+                <a:solidFill>
+                  <a:srgbClr val="6C757D"/>
+                </a:solidFill>
+                <a:latin typeface="Calibri"/>
+              </a:defRPr>
+            </a:pPr>
+            <a:r>
+              <a:t>Quelle: Clutch.co, FullStack Labs, Netguru (DE Agency Rates 2025)</a:t>
+            </a:r>
+          </a:p>
+        </p:txBody>
+      </p:sp>
+      <p:sp>
+        <p:nvSpPr>
+          <p:cNvPr id="15" name="Rectangle 14"/>
           <p:cNvSpPr/>
           <p:nvPr/>
         </p:nvSpPr>
         <p:spPr>
           <a:xfrm>
-            <a:off x="4389120" y="1371600"/>
-            <a:ext cx="3474720" cy="2377440"/>
+            <a:off x="4297680" y="1280160"/>
+            <a:ext cx="3566160" cy="3017520"/>
           </a:xfrm>
           <a:prstGeom prst="rect">
             <a:avLst/>
@@ -6823,14 +8115,14 @@
       </p:sp>
       <p:sp>
         <p:nvSpPr>
-          <p:cNvPr id="13" name="Rectangle 12"/>
+          <p:cNvPr id="16" name="Rectangle 15"/>
           <p:cNvSpPr/>
           <p:nvPr/>
         </p:nvSpPr>
         <p:spPr>
           <a:xfrm>
-            <a:off x="4389120" y="1371600"/>
-            <a:ext cx="3474720" cy="63500"/>
+            <a:off x="4297680" y="1280160"/>
+            <a:ext cx="3566160" cy="63500"/>
           </a:xfrm>
           <a:prstGeom prst="rect">
             <a:avLst/>
@@ -6866,14 +8158,14 @@
       </p:sp>
       <p:sp>
         <p:nvSpPr>
-          <p:cNvPr id="14" name="TextBox 13"/>
+          <p:cNvPr id="17" name="TextBox 16"/>
           <p:cNvSpPr txBox="1"/>
           <p:nvPr/>
         </p:nvSpPr>
         <p:spPr>
           <a:xfrm>
-            <a:off x="4572000" y="1508760"/>
-            <a:ext cx="3108960" cy="274320"/>
+            <a:off x="4480560" y="1389888"/>
+            <a:ext cx="3200400" cy="274320"/>
           </a:xfrm>
           <a:prstGeom prst="rect">
             <a:avLst/>
@@ -6895,21 +8187,21 @@
               </a:defRPr>
             </a:pPr>
             <a:r>
-              <a:t>🎯 Wettbewerbsvorteil</a:t>
-            </a:r>
-          </a:p>
-        </p:txBody>
-      </p:sp>
-      <p:sp>
-        <p:nvSpPr>
-          <p:cNvPr id="15" name="TextBox 14"/>
+              <a:t>KI-Entwicklungseffizienz</a:t>
+            </a:r>
+          </a:p>
+        </p:txBody>
+      </p:sp>
+      <p:sp>
+        <p:nvSpPr>
+          <p:cNvPr id="18" name="TextBox 17"/>
           <p:cNvSpPr txBox="1"/>
           <p:nvPr/>
         </p:nvSpPr>
         <p:spPr>
           <a:xfrm>
-            <a:off x="4572000" y="1874520"/>
-            <a:ext cx="3108960" cy="1828800"/>
+            <a:off x="4480560" y="1645920"/>
+            <a:ext cx="3200400" cy="182880"/>
           </a:xfrm>
           <a:prstGeom prst="rect">
             <a:avLst/>
@@ -6922,27 +8214,63 @@
           </a:bodyPr>
           <a:lstStyle/>
           <a:p>
+            <a:pPr algn="l">
+              <a:defRPr sz="900" b="0">
+                <a:solidFill>
+                  <a:srgbClr val="6C757D"/>
+                </a:solidFill>
+                <a:latin typeface="Calibri"/>
+              </a:defRPr>
+            </a:pPr>
+            <a:r>
+              <a:t>Tatsaechliche Kosten durch KI-gestuetzte Entwicklung</a:t>
+            </a:r>
+          </a:p>
+        </p:txBody>
+      </p:sp>
+      <p:sp>
+        <p:nvSpPr>
+          <p:cNvPr id="19" name="TextBox 18"/>
+          <p:cNvSpPr txBox="1"/>
+          <p:nvPr/>
+        </p:nvSpPr>
+        <p:spPr>
+          <a:xfrm>
+            <a:off x="4480560" y="1828800"/>
+            <a:ext cx="3200400" cy="1828800"/>
+          </a:xfrm>
+          <a:prstGeom prst="rect">
+            <a:avLst/>
+          </a:prstGeom>
+          <a:noFill/>
+        </p:spPr>
+        <p:txBody>
+          <a:bodyPr wrap="square">
+            <a:spAutoFit/>
+          </a:bodyPr>
+          <a:lstStyle/>
+          <a:p>
             <a:pPr>
               <a:spcAft>
-                <a:spcPts val="300"/>
+                <a:spcPts val="100"/>
               </a:spcAft>
-              <a:defRPr sz="1050">
-                <a:solidFill>
-                  <a:srgbClr val="212529"/>
-                </a:solidFill>
-                <a:latin typeface="Calibri"/>
-              </a:defRPr>
-            </a:pPr>
-            <a:r>
-              <a:t>▸ Einzige DE-Losung: KI + Compliance + E2E</a:t>
+              <a:defRPr sz="900">
+                <a:solidFill>
+                  <a:srgbClr val="DC3545"/>
+                </a:solidFill>
+                <a:latin typeface="Calibri"/>
+              </a:defRPr>
+            </a:pPr>
+            <a:r>
+              <a:t>Konventionelle Entwicklung:</a:t>
             </a:r>
           </a:p>
           <a:p>
             <a:pPr>
               <a:spcAft>
-                <a:spcPts val="300"/>
+                <a:spcPts val="100"/>
               </a:spcAft>
-              <a:defRPr sz="1050">
+              <a:defRPr sz="900">
                 <a:solidFill>
                   <a:srgbClr val="212529"/>
                 </a:solidFill>
@@ -6950,15 +8278,15 @@
               </a:defRPr>
             </a:pPr>
             <a:r>
-              <a:t>▸ Kein Wettbewerber deckt gesamten Workflow ab</a:t>
+              <a:t>  26 Personenmonate</a:t>
             </a:r>
           </a:p>
           <a:p>
             <a:pPr>
               <a:spcAft>
-                <a:spcPts val="300"/>
+                <a:spcPts val="100"/>
               </a:spcAft>
-              <a:defRPr sz="1050">
+              <a:defRPr sz="900">
                 <a:solidFill>
                   <a:srgbClr val="212529"/>
                 </a:solidFill>
@@ -6966,15 +8294,15 @@
               </a:defRPr>
             </a:pPr>
             <a:r>
-              <a:t>▸ Regulatorische Komplexitat als Markteintrittsbarriere</a:t>
+              <a:t>  5-6 Entwickler, 12+ Monate</a:t>
             </a:r>
           </a:p>
           <a:p>
             <a:pPr>
               <a:spcAft>
-                <a:spcPts val="300"/>
+                <a:spcPts val="100"/>
               </a:spcAft>
-              <a:defRPr sz="1050">
+              <a:defRPr sz="900">
                 <a:solidFill>
                   <a:srgbClr val="212529"/>
                 </a:solidFill>
@@ -6982,37 +8310,215 @@
               </a:defRPr>
             </a:pPr>
             <a:r>
-              <a:t>▸ KI-Differenzierung: Intelligente Angebotsoptimierung</a:t>
+              <a:t>  Kosten: EUR 350.000 - 500.000</a:t>
             </a:r>
           </a:p>
           <a:p>
             <a:pPr>
               <a:spcAft>
-                <a:spcPts val="300"/>
+                <a:spcPts val="100"/>
               </a:spcAft>
-              <a:defRPr sz="1050">
+              <a:defRPr sz="900">
                 <a:solidFill>
                   <a:srgbClr val="212529"/>
                 </a:solidFill>
                 <a:latin typeface="Calibri"/>
               </a:defRPr>
             </a:pPr>
-            <a:r>
-              <a:t>▸ White-Label ermoglicht Partnernetzwerk-Skalierung</a:t>
-            </a:r>
-          </a:p>
-        </p:txBody>
-      </p:sp>
-      <p:sp>
-        <p:nvSpPr>
-          <p:cNvPr id="16" name="Rectangle 15"/>
+          </a:p>
+          <a:p>
+            <a:pPr>
+              <a:spcAft>
+                <a:spcPts val="100"/>
+              </a:spcAft>
+              <a:defRPr sz="900">
+                <a:solidFill>
+                  <a:srgbClr val="28A745"/>
+                </a:solidFill>
+                <a:latin typeface="Calibri"/>
+              </a:defRPr>
+            </a:pPr>
+            <a:r>
+              <a:t>KI-gestuetzte Entwicklung (Claude Code):</a:t>
+            </a:r>
+          </a:p>
+          <a:p>
+            <a:pPr>
+              <a:spcAft>
+                <a:spcPts val="100"/>
+              </a:spcAft>
+              <a:defRPr sz="900">
+                <a:solidFill>
+                  <a:srgbClr val="212529"/>
+                </a:solidFill>
+                <a:latin typeface="Calibri"/>
+              </a:defRPr>
+            </a:pPr>
+            <a:r>
+              <a:t>  1 Entwickler + KI-Pair-Programming</a:t>
+            </a:r>
+          </a:p>
+          <a:p>
+            <a:pPr>
+              <a:spcAft>
+                <a:spcPts val="100"/>
+              </a:spcAft>
+              <a:defRPr sz="900">
+                <a:solidFill>
+                  <a:srgbClr val="212529"/>
+                </a:solidFill>
+                <a:latin typeface="Calibri"/>
+              </a:defRPr>
+            </a:pPr>
+            <a:r>
+              <a:t>  Deutlich verkuerzte Entwicklungszeit</a:t>
+            </a:r>
+          </a:p>
+          <a:p>
+            <a:pPr>
+              <a:spcAft>
+                <a:spcPts val="100"/>
+              </a:spcAft>
+              <a:defRPr sz="900">
+                <a:solidFill>
+                  <a:srgbClr val="212529"/>
+                </a:solidFill>
+                <a:latin typeface="Calibri"/>
+              </a:defRPr>
+            </a:pPr>
+            <a:r>
+              <a:t>  4 Phasen vollstaendig abgeschlossen</a:t>
+            </a:r>
+          </a:p>
+          <a:p>
+            <a:pPr>
+              <a:spcAft>
+                <a:spcPts val="100"/>
+              </a:spcAft>
+              <a:defRPr sz="900">
+                <a:solidFill>
+                  <a:srgbClr val="212529"/>
+                </a:solidFill>
+                <a:latin typeface="Calibri"/>
+              </a:defRPr>
+            </a:pPr>
+            <a:r>
+              <a:t>  Produktionsreife Qualitaet erreicht</a:t>
+            </a:r>
+          </a:p>
+          <a:p>
+            <a:pPr>
+              <a:spcAft>
+                <a:spcPts val="100"/>
+              </a:spcAft>
+              <a:defRPr sz="900">
+                <a:solidFill>
+                  <a:srgbClr val="212529"/>
+                </a:solidFill>
+                <a:latin typeface="Calibri"/>
+              </a:defRPr>
+            </a:pPr>
+          </a:p>
+          <a:p>
+            <a:pPr>
+              <a:spcAft>
+                <a:spcPts val="100"/>
+              </a:spcAft>
+              <a:defRPr sz="900">
+                <a:solidFill>
+                  <a:srgbClr val="28A745"/>
+                </a:solidFill>
+                <a:latin typeface="Calibri"/>
+              </a:defRPr>
+            </a:pPr>
+            <a:r>
+              <a:t>Geschaetzte Ersparnis:</a:t>
+            </a:r>
+          </a:p>
+        </p:txBody>
+      </p:sp>
+      <p:sp>
+        <p:nvSpPr>
+          <p:cNvPr id="20" name="TextBox 19"/>
+          <p:cNvSpPr txBox="1"/>
+          <p:nvPr/>
+        </p:nvSpPr>
+        <p:spPr>
+          <a:xfrm>
+            <a:off x="4480560" y="3566160"/>
+            <a:ext cx="3200400" cy="457200"/>
+          </a:xfrm>
+          <a:prstGeom prst="rect">
+            <a:avLst/>
+          </a:prstGeom>
+          <a:noFill/>
+        </p:spPr>
+        <p:txBody>
+          <a:bodyPr wrap="square">
+            <a:spAutoFit/>
+          </a:bodyPr>
+          <a:lstStyle/>
+          <a:p>
+            <a:pPr algn="ctr">
+              <a:defRPr sz="2200" b="1">
+                <a:solidFill>
+                  <a:srgbClr val="28A745"/>
+                </a:solidFill>
+                <a:latin typeface="Calibri"/>
+              </a:defRPr>
+            </a:pPr>
+            <a:r>
+              <a:t>60-80% Kostenreduktion</a:t>
+            </a:r>
+          </a:p>
+        </p:txBody>
+      </p:sp>
+      <p:sp>
+        <p:nvSpPr>
+          <p:cNvPr id="21" name="TextBox 20"/>
+          <p:cNvSpPr txBox="1"/>
+          <p:nvPr/>
+        </p:nvSpPr>
+        <p:spPr>
+          <a:xfrm>
+            <a:off x="4480560" y="3977640"/>
+            <a:ext cx="3200400" cy="228600"/>
+          </a:xfrm>
+          <a:prstGeom prst="rect">
+            <a:avLst/>
+          </a:prstGeom>
+          <a:noFill/>
+        </p:spPr>
+        <p:txBody>
+          <a:bodyPr wrap="square">
+            <a:spAutoFit/>
+          </a:bodyPr>
+          <a:lstStyle/>
+          <a:p>
+            <a:pPr algn="ctr">
+              <a:defRPr sz="700" b="0">
+                <a:solidFill>
+                  <a:srgbClr val="6C757D"/>
+                </a:solidFill>
+                <a:latin typeface="Calibri"/>
+              </a:defRPr>
+            </a:pPr>
+            <a:r>
+              <a:t>1 Entwickler + Claude AI statt 5-6 Personen Team</a:t>
+            </a:r>
+          </a:p>
+        </p:txBody>
+      </p:sp>
+      <p:sp>
+        <p:nvSpPr>
+          <p:cNvPr id="22" name="Rectangle 21"/>
           <p:cNvSpPr/>
           <p:nvPr/>
         </p:nvSpPr>
         <p:spPr>
           <a:xfrm>
-            <a:off x="8229600" y="1371600"/>
-            <a:ext cx="3474720" cy="2377440"/>
+            <a:off x="8046720" y="1280160"/>
+            <a:ext cx="3566160" cy="3017520"/>
           </a:xfrm>
           <a:prstGeom prst="rect">
             <a:avLst/>
@@ -7048,14 +8554,14 @@
       </p:sp>
       <p:sp>
         <p:nvSpPr>
-          <p:cNvPr id="17" name="Rectangle 16"/>
+          <p:cNvPr id="23" name="Rectangle 22"/>
           <p:cNvSpPr/>
           <p:nvPr/>
         </p:nvSpPr>
         <p:spPr>
           <a:xfrm>
-            <a:off x="8229600" y="1371600"/>
-            <a:ext cx="3474720" cy="63500"/>
+            <a:off x="8046720" y="1280160"/>
+            <a:ext cx="3566160" cy="63500"/>
           </a:xfrm>
           <a:prstGeom prst="rect">
             <a:avLst/>
@@ -7091,14 +8597,14 @@
       </p:sp>
       <p:sp>
         <p:nvSpPr>
-          <p:cNvPr id="18" name="TextBox 17"/>
+          <p:cNvPr id="24" name="TextBox 23"/>
           <p:cNvSpPr txBox="1"/>
           <p:nvPr/>
         </p:nvSpPr>
         <p:spPr>
           <a:xfrm>
-            <a:off x="8412480" y="1508760"/>
-            <a:ext cx="3108960" cy="274320"/>
+            <a:off x="8229600" y="1389888"/>
+            <a:ext cx="3200400" cy="274320"/>
           </a:xfrm>
           <a:prstGeom prst="rect">
             <a:avLst/>
@@ -7120,21 +8626,21 @@
               </a:defRPr>
             </a:pPr>
             <a:r>
-              <a:t>⚡ KI-gestutzte Entwicklung</a:t>
-            </a:r>
-          </a:p>
-        </p:txBody>
-      </p:sp>
-      <p:sp>
-        <p:nvSpPr>
-          <p:cNvPr id="19" name="TextBox 18"/>
+              <a:t>SaaS-Bewertungspotenzial</a:t>
+            </a:r>
+          </a:p>
+        </p:txBody>
+      </p:sp>
+      <p:sp>
+        <p:nvSpPr>
+          <p:cNvPr id="25" name="TextBox 24"/>
           <p:cNvSpPr txBox="1"/>
           <p:nvPr/>
         </p:nvSpPr>
         <p:spPr>
           <a:xfrm>
-            <a:off x="8412480" y="1874520"/>
-            <a:ext cx="3108960" cy="1828800"/>
+            <a:off x="8229600" y="1645920"/>
+            <a:ext cx="3200400" cy="182880"/>
           </a:xfrm>
           <a:prstGeom prst="rect">
             <a:avLst/>
@@ -7147,27 +8653,63 @@
           </a:bodyPr>
           <a:lstStyle/>
           <a:p>
+            <a:pPr algn="l">
+              <a:defRPr sz="900" b="0">
+                <a:solidFill>
+                  <a:srgbClr val="6C757D"/>
+                </a:solidFill>
+                <a:latin typeface="Calibri"/>
+              </a:defRPr>
+            </a:pPr>
+            <a:r>
+              <a:t>Marktuebliche Bewertung bei Umsatzaufbau</a:t>
+            </a:r>
+          </a:p>
+        </p:txBody>
+      </p:sp>
+      <p:sp>
+        <p:nvSpPr>
+          <p:cNvPr id="26" name="TextBox 25"/>
+          <p:cNvSpPr txBox="1"/>
+          <p:nvPr/>
+        </p:nvSpPr>
+        <p:spPr>
+          <a:xfrm>
+            <a:off x="8229600" y="1828800"/>
+            <a:ext cx="3200400" cy="1828800"/>
+          </a:xfrm>
+          <a:prstGeom prst="rect">
+            <a:avLst/>
+          </a:prstGeom>
+          <a:noFill/>
+        </p:spPr>
+        <p:txBody>
+          <a:bodyPr wrap="square">
+            <a:spAutoFit/>
+          </a:bodyPr>
+          <a:lstStyle/>
+          <a:p>
             <a:pPr>
               <a:spcAft>
-                <a:spcPts val="300"/>
+                <a:spcPts val="100"/>
               </a:spcAft>
-              <a:defRPr sz="1050">
-                <a:solidFill>
-                  <a:srgbClr val="212529"/>
-                </a:solidFill>
-                <a:latin typeface="Calibri"/>
-              </a:defRPr>
-            </a:pPr>
-            <a:r>
-              <a:t>▸ Entwickelt mit Claude Code (Anthropic AI)</a:t>
+              <a:defRPr sz="900">
+                <a:solidFill>
+                  <a:srgbClr val="F09319"/>
+                </a:solidFill>
+                <a:latin typeface="Calibri"/>
+              </a:defRPr>
+            </a:pPr>
+            <a:r>
+              <a:t>B2B SaaS-Multiples (SaaS Capital 2025):</a:t>
             </a:r>
           </a:p>
           <a:p>
             <a:pPr>
               <a:spcAft>
-                <a:spcPts val="300"/>
+                <a:spcPts val="100"/>
               </a:spcAft>
-              <a:defRPr sz="1050">
+              <a:defRPr sz="900">
                 <a:solidFill>
                   <a:srgbClr val="212529"/>
                 </a:solidFill>
@@ -7175,15 +8717,15 @@
               </a:defRPr>
             </a:pPr>
             <a:r>
-              <a:t>▸ Dramatisch beschleunigte Entwicklungszeit</a:t>
+              <a:t>  Bootstrapped: 4,8x ARR</a:t>
             </a:r>
           </a:p>
           <a:p>
             <a:pPr>
               <a:spcAft>
-                <a:spcPts val="300"/>
+                <a:spcPts val="100"/>
               </a:spcAft>
-              <a:defRPr sz="1050">
+              <a:defRPr sz="900">
                 <a:solidFill>
                   <a:srgbClr val="212529"/>
                 </a:solidFill>
@@ -7191,15 +8733,15 @@
               </a:defRPr>
             </a:pPr>
             <a:r>
-              <a:t>▸ Produktionsreife Qualitat (4 Phasen abgeschlossen)</a:t>
+              <a:t>  VC-backed: 5,3x ARR</a:t>
             </a:r>
           </a:p>
           <a:p>
             <a:pPr>
               <a:spcAft>
-                <a:spcPts val="300"/>
+                <a:spcPts val="100"/>
               </a:spcAft>
-              <a:defRPr sz="1050">
+              <a:defRPr sz="900">
                 <a:solidFill>
                   <a:srgbClr val="212529"/>
                 </a:solidFill>
@@ -7207,15 +8749,15 @@
               </a:defRPr>
             </a:pPr>
             <a:r>
-              <a:t>▸ Mathematisch validierte Berechnungsmodelle</a:t>
+              <a:t>  Median Markt: 7,0x ARR</a:t>
             </a:r>
           </a:p>
           <a:p>
             <a:pPr>
               <a:spcAft>
-                <a:spcPts val="300"/>
+                <a:spcPts val="100"/>
               </a:spcAft>
-              <a:defRPr sz="1050">
+              <a:defRPr sz="900">
                 <a:solidFill>
                   <a:srgbClr val="212529"/>
                 </a:solidFill>
@@ -7223,21 +8765,170 @@
               </a:defRPr>
             </a:pPr>
             <a:r>
-              <a:t>▸ Modernes Tech-Stack (Next.js 15, FastAPI, PostgreSQL)</a:t>
-            </a:r>
-          </a:p>
-        </p:txBody>
-      </p:sp>
-      <p:sp>
-        <p:nvSpPr>
-          <p:cNvPr id="20" name="Rectangle 19"/>
+              <a:t>  Energy/Industrial SaaS: 3-7x ARR</a:t>
+            </a:r>
+          </a:p>
+          <a:p>
+            <a:pPr>
+              <a:spcAft>
+                <a:spcPts val="100"/>
+              </a:spcAft>
+              <a:defRPr sz="900">
+                <a:solidFill>
+                  <a:srgbClr val="212529"/>
+                </a:solidFill>
+                <a:latin typeface="Calibri"/>
+              </a:defRPr>
+            </a:pPr>
+          </a:p>
+          <a:p>
+            <a:pPr>
+              <a:spcAft>
+                <a:spcPts val="100"/>
+              </a:spcAft>
+              <a:defRPr sz="900">
+                <a:solidFill>
+                  <a:srgbClr val="F09319"/>
+                </a:solidFill>
+                <a:latin typeface="Calibri"/>
+              </a:defRPr>
+            </a:pPr>
+            <a:r>
+              <a:t>Beispielrechnung bei Markteintritt:</a:t>
+            </a:r>
+          </a:p>
+          <a:p>
+            <a:pPr>
+              <a:spcAft>
+                <a:spcPts val="100"/>
+              </a:spcAft>
+              <a:defRPr sz="900">
+                <a:solidFill>
+                  <a:srgbClr val="212529"/>
+                </a:solidFill>
+                <a:latin typeface="Calibri"/>
+              </a:defRPr>
+            </a:pPr>
+            <a:r>
+              <a:t>  50 Installateure x EUR 199/Monat</a:t>
+            </a:r>
+          </a:p>
+          <a:p>
+            <a:pPr>
+              <a:spcAft>
+                <a:spcPts val="100"/>
+              </a:spcAft>
+              <a:defRPr sz="900">
+                <a:solidFill>
+                  <a:srgbClr val="212529"/>
+                </a:solidFill>
+                <a:latin typeface="Calibri"/>
+              </a:defRPr>
+            </a:pPr>
+            <a:r>
+              <a:t>  = EUR 119.400 ARR</a:t>
+            </a:r>
+          </a:p>
+          <a:p>
+            <a:pPr>
+              <a:spcAft>
+                <a:spcPts val="100"/>
+              </a:spcAft>
+              <a:defRPr sz="900">
+                <a:solidFill>
+                  <a:srgbClr val="212529"/>
+                </a:solidFill>
+                <a:latin typeface="Calibri"/>
+              </a:defRPr>
+            </a:pPr>
+            <a:r>
+              <a:t>  x 5x Multiple =</a:t>
+            </a:r>
+          </a:p>
+        </p:txBody>
+      </p:sp>
+      <p:sp>
+        <p:nvSpPr>
+          <p:cNvPr id="27" name="TextBox 26"/>
+          <p:cNvSpPr txBox="1"/>
+          <p:nvPr/>
+        </p:nvSpPr>
+        <p:spPr>
+          <a:xfrm>
+            <a:off x="8229600" y="3566160"/>
+            <a:ext cx="3200400" cy="457200"/>
+          </a:xfrm>
+          <a:prstGeom prst="rect">
+            <a:avLst/>
+          </a:prstGeom>
+          <a:noFill/>
+        </p:spPr>
+        <p:txBody>
+          <a:bodyPr wrap="square">
+            <a:spAutoFit/>
+          </a:bodyPr>
+          <a:lstStyle/>
+          <a:p>
+            <a:pPr algn="ctr">
+              <a:defRPr sz="2200" b="1">
+                <a:solidFill>
+                  <a:srgbClr val="F09319"/>
+                </a:solidFill>
+                <a:latin typeface="Calibri"/>
+              </a:defRPr>
+            </a:pPr>
+            <a:r>
+              <a:t>EUR 600.000+</a:t>
+            </a:r>
+          </a:p>
+        </p:txBody>
+      </p:sp>
+      <p:sp>
+        <p:nvSpPr>
+          <p:cNvPr id="28" name="TextBox 27"/>
+          <p:cNvSpPr txBox="1"/>
+          <p:nvPr/>
+        </p:nvSpPr>
+        <p:spPr>
+          <a:xfrm>
+            <a:off x="8229600" y="3977640"/>
+            <a:ext cx="3200400" cy="228600"/>
+          </a:xfrm>
+          <a:prstGeom prst="rect">
+            <a:avLst/>
+          </a:prstGeom>
+          <a:noFill/>
+        </p:spPr>
+        <p:txBody>
+          <a:bodyPr wrap="square">
+            <a:spAutoFit/>
+          </a:bodyPr>
+          <a:lstStyle/>
+          <a:p>
+            <a:pPr algn="ctr">
+              <a:defRPr sz="700" b="0">
+                <a:solidFill>
+                  <a:srgbClr val="6C757D"/>
+                </a:solidFill>
+                <a:latin typeface="Calibri"/>
+              </a:defRPr>
+            </a:pPr>
+            <a:r>
+              <a:t>Quelle: SaaS Capital 2025, Aventis Advisors, iMerge Advisors</a:t>
+            </a:r>
+          </a:p>
+        </p:txBody>
+      </p:sp>
+      <p:sp>
+        <p:nvSpPr>
+          <p:cNvPr id="29" name="Rectangle 28"/>
           <p:cNvSpPr/>
           <p:nvPr/>
         </p:nvSpPr>
         <p:spPr>
           <a:xfrm>
-            <a:off x="548640" y="3977639"/>
-            <a:ext cx="11064240" cy="1005840"/>
+            <a:off x="548640" y="4526280"/>
+            <a:ext cx="11064240" cy="914400"/>
           </a:xfrm>
           <a:prstGeom prst="rect">
             <a:avLst/>
@@ -7273,14 +8964,14 @@
       </p:sp>
       <p:sp>
         <p:nvSpPr>
-          <p:cNvPr id="21" name="TextBox 20"/>
+          <p:cNvPr id="30" name="TextBox 29"/>
           <p:cNvSpPr txBox="1"/>
           <p:nvPr/>
         </p:nvSpPr>
         <p:spPr>
           <a:xfrm>
-            <a:off x="731520" y="4069079"/>
-            <a:ext cx="10698480" cy="365760"/>
+            <a:off x="731520" y="4599432"/>
+            <a:ext cx="10698480" cy="228600"/>
           </a:xfrm>
           <a:prstGeom prst="rect">
             <a:avLst/>
@@ -7294,7 +8985,7 @@
           <a:lstStyle/>
           <a:p>
             <a:pPr algn="l">
-              <a:defRPr sz="1400" b="1">
+              <a:defRPr sz="1300" b="1">
                 <a:solidFill>
                   <a:srgbClr val="28A745"/>
                 </a:solidFill>
@@ -7302,20 +8993,20 @@
               </a:defRPr>
             </a:pPr>
             <a:r>
-              <a:t>Kernaussage</a:t>
-            </a:r>
-          </a:p>
-        </p:txBody>
-      </p:sp>
-      <p:sp>
-        <p:nvSpPr>
-          <p:cNvPr id="22" name="TextBox 21"/>
+              <a:t>Zusammenfassung: Der Wert dieser Anwendung</a:t>
+            </a:r>
+          </a:p>
+        </p:txBody>
+      </p:sp>
+      <p:sp>
+        <p:nvSpPr>
+          <p:cNvPr id="31" name="TextBox 30"/>
           <p:cNvSpPr txBox="1"/>
           <p:nvPr/>
         </p:nvSpPr>
         <p:spPr>
           <a:xfrm>
-            <a:off x="731520" y="4389119"/>
+            <a:off x="731520" y="4846320"/>
             <a:ext cx="10698480" cy="548640"/>
           </a:xfrm>
           <a:prstGeom prst="rect">
@@ -7329,8 +9020,8 @@
           </a:bodyPr>
           <a:lstStyle/>
           <a:p>
-            <a:pPr algn="l">
-              <a:defRPr sz="1200" b="0">
+            <a:pPr>
+              <a:defRPr sz="1100">
                 <a:solidFill>
                   <a:srgbClr val="FFFFFF"/>
                 </a:solidFill>
@@ -7338,21 +9029,21 @@
               </a:defRPr>
             </a:pPr>
             <a:r>
-              <a:t>Der Gewerbespeicher Planner ist eine produktionsreife, KI-gestutzte B2B-SaaS-Plattform, die in einem $19-Mrd.-Markt (DE) mit +34% Wachstum positioniert ist. Die Kombination aus KI-Optimierung, regulatorischer Compliance und End-to-End-Workflow ist im deutschen Markt einzigartig und schafft einen nachhaltigen Wettbewerbsvorteil.</a:t>
-            </a:r>
-          </a:p>
-        </p:txBody>
-      </p:sp>
-      <p:sp>
-        <p:nvSpPr>
-          <p:cNvPr id="23" name="TextBox 22"/>
+              <a:t>Der Gewerbespeicher Planner hat einen Wiederbeschaffungswert von EUR 350.000-500.000. Durch KI-gestuetzte Entwicklung mit Claude Code wurde dieser Wert mit 60-80% weniger Kosten geschaffen. Als SaaS-Produkt im wachsenden DE-Gewerbespeichermarkt (+34% YoY) besteht Bewertungspotenzial von EUR 600.000+ bereits bei moderatem Markteintritt (50 Installateure). Die Kombination aus KI, Compliance und E2E-Workflow ist im DE-Markt einzigartig.</a:t>
+            </a:r>
+          </a:p>
+        </p:txBody>
+      </p:sp>
+      <p:sp>
+        <p:nvSpPr>
+          <p:cNvPr id="32" name="TextBox 31"/>
           <p:cNvSpPr txBox="1"/>
           <p:nvPr/>
         </p:nvSpPr>
         <p:spPr>
           <a:xfrm>
-            <a:off x="548640" y="5212080"/>
-            <a:ext cx="10972800" cy="365760"/>
+            <a:off x="548640" y="5623560"/>
+            <a:ext cx="10972800" cy="274320"/>
           </a:xfrm>
           <a:prstGeom prst="rect">
             <a:avLst/>
@@ -7366,7 +9057,7 @@
           <a:lstStyle/>
           <a:p>
             <a:pPr algn="l">
-              <a:defRPr sz="1600" b="1">
+              <a:defRPr sz="1400" b="1">
                 <a:solidFill>
                   <a:srgbClr val="1B2A4A"/>
                 </a:solidFill>
@@ -7374,21 +9065,21 @@
               </a:defRPr>
             </a:pPr>
             <a:r>
-              <a:t>Empfohlene nachste Schritte</a:t>
-            </a:r>
-          </a:p>
-        </p:txBody>
-      </p:sp>
-      <p:sp>
-        <p:nvSpPr>
-          <p:cNvPr id="24" name="Rectangle 23"/>
+              <a:t>Empfohlene naechste Schritte</a:t>
+            </a:r>
+          </a:p>
+        </p:txBody>
+      </p:sp>
+      <p:sp>
+        <p:nvSpPr>
+          <p:cNvPr id="33" name="Rectangle 32"/>
           <p:cNvSpPr/>
           <p:nvPr/>
         </p:nvSpPr>
         <p:spPr>
           <a:xfrm>
-            <a:off x="548640" y="5623560"/>
-            <a:ext cx="3383280" cy="640080"/>
+            <a:off x="548640" y="5943600"/>
+            <a:ext cx="3474720" cy="548640"/>
           </a:xfrm>
           <a:prstGeom prst="rect">
             <a:avLst/>
@@ -7424,14 +9115,14 @@
       </p:sp>
       <p:sp>
         <p:nvSpPr>
-          <p:cNvPr id="25" name="Oval 24"/>
+          <p:cNvPr id="34" name="Oval 33"/>
           <p:cNvSpPr/>
           <p:nvPr/>
         </p:nvSpPr>
         <p:spPr>
           <a:xfrm>
-            <a:off x="640080" y="5715000"/>
-            <a:ext cx="365760" cy="365760"/>
+            <a:off x="621792" y="6007608"/>
+            <a:ext cx="320040" cy="320040"/>
           </a:xfrm>
           <a:prstGeom prst="ellipse">
             <a:avLst/>
@@ -7467,14 +9158,14 @@
       </p:sp>
       <p:sp>
         <p:nvSpPr>
-          <p:cNvPr id="26" name="TextBox 25"/>
+          <p:cNvPr id="35" name="TextBox 34"/>
           <p:cNvSpPr txBox="1"/>
           <p:nvPr/>
         </p:nvSpPr>
         <p:spPr>
           <a:xfrm>
-            <a:off x="640080" y="5715000"/>
-            <a:ext cx="365760" cy="365760"/>
+            <a:off x="621792" y="6007608"/>
+            <a:ext cx="320040" cy="320040"/>
           </a:xfrm>
           <a:prstGeom prst="rect">
             <a:avLst/>
@@ -7488,7 +9179,7 @@
           <a:lstStyle/>
           <a:p>
             <a:pPr algn="ctr">
-              <a:defRPr sz="1400" b="1">
+              <a:defRPr sz="1300" b="1">
                 <a:solidFill>
                   <a:srgbClr val="FFFFFF"/>
                 </a:solidFill>
@@ -7503,14 +9194,14 @@
       </p:sp>
       <p:sp>
         <p:nvSpPr>
-          <p:cNvPr id="27" name="TextBox 26"/>
+          <p:cNvPr id="36" name="TextBox 35"/>
           <p:cNvSpPr txBox="1"/>
           <p:nvPr/>
         </p:nvSpPr>
         <p:spPr>
           <a:xfrm>
-            <a:off x="1097280" y="5669280"/>
-            <a:ext cx="2743200" cy="228600"/>
+            <a:off x="1005840" y="5971032"/>
+            <a:ext cx="2926080" cy="201168"/>
           </a:xfrm>
           <a:prstGeom prst="rect">
             <a:avLst/>
@@ -7524,7 +9215,7 @@
           <a:lstStyle/>
           <a:p>
             <a:pPr algn="l">
-              <a:defRPr sz="1200" b="1">
+              <a:defRPr sz="1100" b="1">
                 <a:solidFill>
                   <a:srgbClr val="1B2A4A"/>
                 </a:solidFill>
@@ -7539,14 +9230,14 @@
       </p:sp>
       <p:sp>
         <p:nvSpPr>
-          <p:cNvPr id="28" name="TextBox 27"/>
+          <p:cNvPr id="37" name="TextBox 36"/>
           <p:cNvSpPr txBox="1"/>
           <p:nvPr/>
         </p:nvSpPr>
         <p:spPr>
           <a:xfrm>
-            <a:off x="1097280" y="5870448"/>
-            <a:ext cx="2743200" cy="320040"/>
+            <a:off x="1005840" y="6153912"/>
+            <a:ext cx="2926080" cy="274320"/>
           </a:xfrm>
           <a:prstGeom prst="rect">
             <a:avLst/>
@@ -7568,21 +9259,21 @@
               </a:defRPr>
             </a:pPr>
             <a:r>
-              <a:t>5-10 Installateure als Beta-Nutzer gewinnen, Feedback sammeln</a:t>
-            </a:r>
-          </a:p>
-        </p:txBody>
-      </p:sp>
-      <p:sp>
-        <p:nvSpPr>
-          <p:cNvPr id="29" name="Rectangle 28"/>
+              <a:t>5-10 Installateure als Beta-Nutzer, Feedback sammeln</a:t>
+            </a:r>
+          </a:p>
+        </p:txBody>
+      </p:sp>
+      <p:sp>
+        <p:nvSpPr>
+          <p:cNvPr id="38" name="Rectangle 37"/>
           <p:cNvSpPr/>
           <p:nvPr/>
         </p:nvSpPr>
         <p:spPr>
           <a:xfrm>
-            <a:off x="4297679" y="5623560"/>
-            <a:ext cx="3383280" cy="640080"/>
+            <a:off x="4343400" y="5943600"/>
+            <a:ext cx="3474720" cy="548640"/>
           </a:xfrm>
           <a:prstGeom prst="rect">
             <a:avLst/>
@@ -7618,14 +9309,14 @@
       </p:sp>
       <p:sp>
         <p:nvSpPr>
-          <p:cNvPr id="30" name="Oval 29"/>
+          <p:cNvPr id="39" name="Oval 38"/>
           <p:cNvSpPr/>
           <p:nvPr/>
         </p:nvSpPr>
         <p:spPr>
           <a:xfrm>
-            <a:off x="4389119" y="5715000"/>
-            <a:ext cx="365760" cy="365760"/>
+            <a:off x="4416552" y="6007608"/>
+            <a:ext cx="320040" cy="320040"/>
           </a:xfrm>
           <a:prstGeom prst="ellipse">
             <a:avLst/>
@@ -7661,14 +9352,14 @@
       </p:sp>
       <p:sp>
         <p:nvSpPr>
-          <p:cNvPr id="31" name="TextBox 30"/>
+          <p:cNvPr id="40" name="TextBox 39"/>
           <p:cNvSpPr txBox="1"/>
           <p:nvPr/>
         </p:nvSpPr>
         <p:spPr>
           <a:xfrm>
-            <a:off x="4389119" y="5715000"/>
-            <a:ext cx="365760" cy="365760"/>
+            <a:off x="4416552" y="6007608"/>
+            <a:ext cx="320040" cy="320040"/>
           </a:xfrm>
           <a:prstGeom prst="rect">
             <a:avLst/>
@@ -7682,7 +9373,7 @@
           <a:lstStyle/>
           <a:p>
             <a:pPr algn="ctr">
-              <a:defRPr sz="1400" b="1">
+              <a:defRPr sz="1300" b="1">
                 <a:solidFill>
                   <a:srgbClr val="FFFFFF"/>
                 </a:solidFill>
@@ -7697,14 +9388,14 @@
       </p:sp>
       <p:sp>
         <p:nvSpPr>
-          <p:cNvPr id="32" name="TextBox 31"/>
+          <p:cNvPr id="41" name="TextBox 40"/>
           <p:cNvSpPr txBox="1"/>
           <p:nvPr/>
         </p:nvSpPr>
         <p:spPr>
           <a:xfrm>
-            <a:off x="4846319" y="5669280"/>
-            <a:ext cx="2743200" cy="228600"/>
+            <a:off x="4800600" y="5971032"/>
+            <a:ext cx="2926080" cy="201168"/>
           </a:xfrm>
           <a:prstGeom prst="rect">
             <a:avLst/>
@@ -7718,7 +9409,7 @@
           <a:lstStyle/>
           <a:p>
             <a:pPr algn="l">
-              <a:defRPr sz="1200" b="1">
+              <a:defRPr sz="1100" b="1">
                 <a:solidFill>
                   <a:srgbClr val="1B2A4A"/>
                 </a:solidFill>
@@ -7733,14 +9424,14 @@
       </p:sp>
       <p:sp>
         <p:nvSpPr>
-          <p:cNvPr id="33" name="TextBox 32"/>
+          <p:cNvPr id="42" name="TextBox 41"/>
           <p:cNvSpPr txBox="1"/>
           <p:nvPr/>
         </p:nvSpPr>
         <p:spPr>
           <a:xfrm>
-            <a:off x="4846319" y="5870448"/>
-            <a:ext cx="2743200" cy="320040"/>
+            <a:off x="4800600" y="6153912"/>
+            <a:ext cx="2926080" cy="274320"/>
           </a:xfrm>
           <a:prstGeom prst="rect">
             <a:avLst/>
@@ -7762,21 +9453,21 @@
               </a:defRPr>
             </a:pPr>
             <a:r>
-              <a:t>Preismodell definieren, Vertriebskanal uber EWS-Netzwerk aufbauen</a:t>
-            </a:r>
-          </a:p>
-        </p:txBody>
-      </p:sp>
-      <p:sp>
-        <p:nvSpPr>
-          <p:cNvPr id="34" name="Rectangle 33"/>
+              <a:t>Preismodell (SaaS), Vertrieb ueber EWS-Netzwerk</a:t>
+            </a:r>
+          </a:p>
+        </p:txBody>
+      </p:sp>
+      <p:sp>
+        <p:nvSpPr>
+          <p:cNvPr id="43" name="Rectangle 42"/>
           <p:cNvSpPr/>
           <p:nvPr/>
         </p:nvSpPr>
         <p:spPr>
           <a:xfrm>
-            <a:off x="8046718" y="5623560"/>
-            <a:ext cx="3383280" cy="640080"/>
+            <a:off x="8138160" y="5943600"/>
+            <a:ext cx="3474720" cy="548640"/>
           </a:xfrm>
           <a:prstGeom prst="rect">
             <a:avLst/>
@@ -7812,14 +9503,14 @@
       </p:sp>
       <p:sp>
         <p:nvSpPr>
-          <p:cNvPr id="35" name="Oval 34"/>
+          <p:cNvPr id="44" name="Oval 43"/>
           <p:cNvSpPr/>
           <p:nvPr/>
         </p:nvSpPr>
         <p:spPr>
           <a:xfrm>
-            <a:off x="8138158" y="5715000"/>
-            <a:ext cx="365760" cy="365760"/>
+            <a:off x="8211312" y="6007608"/>
+            <a:ext cx="320040" cy="320040"/>
           </a:xfrm>
           <a:prstGeom prst="ellipse">
             <a:avLst/>
@@ -7855,14 +9546,14 @@
       </p:sp>
       <p:sp>
         <p:nvSpPr>
-          <p:cNvPr id="36" name="TextBox 35"/>
+          <p:cNvPr id="45" name="TextBox 44"/>
           <p:cNvSpPr txBox="1"/>
           <p:nvPr/>
         </p:nvSpPr>
         <p:spPr>
           <a:xfrm>
-            <a:off x="8138158" y="5715000"/>
-            <a:ext cx="365760" cy="365760"/>
+            <a:off x="8211312" y="6007608"/>
+            <a:ext cx="320040" cy="320040"/>
           </a:xfrm>
           <a:prstGeom prst="rect">
             <a:avLst/>
@@ -7876,7 +9567,7 @@
           <a:lstStyle/>
           <a:p>
             <a:pPr algn="ctr">
-              <a:defRPr sz="1400" b="1">
+              <a:defRPr sz="1300" b="1">
                 <a:solidFill>
                   <a:srgbClr val="FFFFFF"/>
                 </a:solidFill>
@@ -7891,14 +9582,14 @@
       </p:sp>
       <p:sp>
         <p:nvSpPr>
-          <p:cNvPr id="37" name="TextBox 36"/>
+          <p:cNvPr id="46" name="TextBox 45"/>
           <p:cNvSpPr txBox="1"/>
           <p:nvPr/>
         </p:nvSpPr>
         <p:spPr>
           <a:xfrm>
-            <a:off x="8595358" y="5669280"/>
-            <a:ext cx="2743200" cy="228600"/>
+            <a:off x="8595360" y="5971032"/>
+            <a:ext cx="2926080" cy="201168"/>
           </a:xfrm>
           <a:prstGeom prst="rect">
             <a:avLst/>
@@ -7912,7 +9603,7 @@
           <a:lstStyle/>
           <a:p>
             <a:pPr algn="l">
-              <a:defRPr sz="1200" b="1">
+              <a:defRPr sz="1100" b="1">
                 <a:solidFill>
                   <a:srgbClr val="1B2A4A"/>
                 </a:solidFill>
@@ -7927,14 +9618,14 @@
       </p:sp>
       <p:sp>
         <p:nvSpPr>
-          <p:cNvPr id="38" name="TextBox 37"/>
+          <p:cNvPr id="47" name="TextBox 46"/>
           <p:cNvSpPr txBox="1"/>
           <p:nvPr/>
         </p:nvSpPr>
         <p:spPr>
           <a:xfrm>
-            <a:off x="8595358" y="5870448"/>
-            <a:ext cx="2743200" cy="320040"/>
+            <a:off x="8595360" y="6153912"/>
+            <a:ext cx="2926080" cy="274320"/>
           </a:xfrm>
           <a:prstGeom prst="rect">
             <a:avLst/>
@@ -7956,21 +9647,21 @@
               </a:defRPr>
             </a:pPr>
             <a:r>
-              <a:t>Multi-Tenant-Plattform fur Partnernetzwerk ausrollen</a:t>
-            </a:r>
-          </a:p>
-        </p:txBody>
-      </p:sp>
-      <p:sp>
-        <p:nvSpPr>
-          <p:cNvPr id="39" name="TextBox 38"/>
+              <a:t>Multi-Tenant ausrollen, Partnernetzwerk aufbauen</a:t>
+            </a:r>
+          </a:p>
+        </p:txBody>
+      </p:sp>
+      <p:sp>
+        <p:nvSpPr>
+          <p:cNvPr id="48" name="TextBox 47"/>
           <p:cNvSpPr txBox="1"/>
           <p:nvPr/>
         </p:nvSpPr>
         <p:spPr>
           <a:xfrm>
-            <a:off x="548640" y="6400800"/>
-            <a:ext cx="10972800" cy="365760"/>
+            <a:off x="548640" y="6492240"/>
+            <a:ext cx="10972800" cy="274320"/>
           </a:xfrm>
           <a:prstGeom prst="rect">
             <a:avLst/>
@@ -7984,7 +9675,7 @@
           <a:lstStyle/>
           <a:p>
             <a:pPr algn="ctr">
-              <a:defRPr sz="900" b="0">
+              <a:defRPr sz="800" b="0">
                 <a:solidFill>
                   <a:srgbClr val="6C757D"/>
                 </a:solidFill>
